--- a/SQL_seminar/SQL중상급활용_CH3.pptx
+++ b/SQL_seminar/SQL중상급활용_CH3.pptx
@@ -5,7 +5,7 @@
     <p:sldMasterId id="2147483660" r:id="rId1"/>
   </p:sldMasterIdLst>
   <p:notesMasterIdLst>
-    <p:notesMasterId r:id="rId22"/>
+    <p:notesMasterId r:id="rId30"/>
   </p:notesMasterIdLst>
   <p:sldIdLst>
     <p:sldId id="256" r:id="rId2"/>
@@ -28,6 +28,14 @@
     <p:sldId id="358" r:id="rId19"/>
     <p:sldId id="359" r:id="rId20"/>
     <p:sldId id="360" r:id="rId21"/>
+    <p:sldId id="363" r:id="rId22"/>
+    <p:sldId id="364" r:id="rId23"/>
+    <p:sldId id="365" r:id="rId24"/>
+    <p:sldId id="366" r:id="rId25"/>
+    <p:sldId id="367" r:id="rId26"/>
+    <p:sldId id="368" r:id="rId27"/>
+    <p:sldId id="369" r:id="rId28"/>
+    <p:sldId id="370" r:id="rId29"/>
   </p:sldIdLst>
   <p:sldSz cx="9906000" cy="6858000" type="A4"/>
   <p:notesSz cx="6797675" cy="9926638"/>
@@ -151,6 +159,14 @@
             <p14:sldId id="358"/>
             <p14:sldId id="359"/>
             <p14:sldId id="360"/>
+            <p14:sldId id="363"/>
+            <p14:sldId id="364"/>
+            <p14:sldId id="365"/>
+            <p14:sldId id="366"/>
+            <p14:sldId id="367"/>
+            <p14:sldId id="368"/>
+            <p14:sldId id="369"/>
+            <p14:sldId id="370"/>
           </p14:sldIdLst>
         </p14:section>
       </p14:sectionLst>
@@ -6047,10 +6063,10 @@
         </p:nvGrpSpPr>
         <p:grpSpPr>
           <a:xfrm>
-            <a:off x="363983" y="711146"/>
-            <a:ext cx="8776958" cy="5672875"/>
-            <a:chOff x="363983" y="711146"/>
-            <a:chExt cx="8776958" cy="5672875"/>
+            <a:off x="372581" y="719772"/>
+            <a:ext cx="8768360" cy="5664249"/>
+            <a:chOff x="372581" y="719772"/>
+            <a:chExt cx="8768360" cy="5664249"/>
           </a:xfrm>
         </p:grpSpPr>
         <p:sp>
@@ -6119,7 +6135,7 @@
           </p:nvSpPr>
           <p:spPr bwMode="gray">
             <a:xfrm>
-              <a:off x="363983" y="711146"/>
+              <a:off x="372609" y="719772"/>
               <a:ext cx="2605719" cy="446889"/>
             </a:xfrm>
             <a:custGeom>
@@ -6444,6 +6460,255 @@
           </p:spPr>
         </p:pic>
       </p:grpSp>
+      <p:sp>
+        <p:nvSpPr>
+          <p:cNvPr id="3" name="원호 2">
+            <a:extLst>
+              <a:ext uri="{FF2B5EF4-FFF2-40B4-BE49-F238E27FC236}">
+                <a16:creationId xmlns:a16="http://schemas.microsoft.com/office/drawing/2014/main" id="{C1CA6622-16E3-4AC7-A0C2-DA8D0F89DECC}"/>
+              </a:ext>
+            </a:extLst>
+          </p:cNvPr>
+          <p:cNvSpPr/>
+          <p:nvPr/>
+        </p:nvSpPr>
+        <p:spPr>
+          <a:xfrm rot="13795180">
+            <a:off x="3423253" y="2555812"/>
+            <a:ext cx="2609481" cy="2287928"/>
+          </a:xfrm>
+          <a:prstGeom prst="arc">
+            <a:avLst/>
+          </a:prstGeom>
+          <a:ln>
+            <a:solidFill>
+              <a:srgbClr val="FF0000"/>
+            </a:solidFill>
+          </a:ln>
+        </p:spPr>
+        <p:style>
+          <a:lnRef idx="1">
+            <a:schemeClr val="accent1"/>
+          </a:lnRef>
+          <a:fillRef idx="0">
+            <a:schemeClr val="accent1"/>
+          </a:fillRef>
+          <a:effectRef idx="0">
+            <a:schemeClr val="accent1"/>
+          </a:effectRef>
+          <a:fontRef idx="minor">
+            <a:schemeClr val="tx1"/>
+          </a:fontRef>
+        </p:style>
+        <p:txBody>
+          <a:bodyPr rtlCol="0" anchor="ctr"/>
+          <a:lstStyle/>
+          <a:p>
+            <a:pPr algn="ctr"/>
+            <a:endParaRPr lang="ko-KR" altLang="en-US"/>
+          </a:p>
+        </p:txBody>
+      </p:sp>
+      <p:sp>
+        <p:nvSpPr>
+          <p:cNvPr id="9" name="원호 8">
+            <a:extLst>
+              <a:ext uri="{FF2B5EF4-FFF2-40B4-BE49-F238E27FC236}">
+                <a16:creationId xmlns:a16="http://schemas.microsoft.com/office/drawing/2014/main" id="{6755BD73-3EDF-4D02-BB2F-F792921BE160}"/>
+              </a:ext>
+            </a:extLst>
+          </p:cNvPr>
+          <p:cNvSpPr/>
+          <p:nvPr/>
+        </p:nvSpPr>
+        <p:spPr>
+          <a:xfrm rot="17816943">
+            <a:off x="1580260" y="3973133"/>
+            <a:ext cx="2653772" cy="1554085"/>
+          </a:xfrm>
+          <a:prstGeom prst="arc">
+            <a:avLst/>
+          </a:prstGeom>
+          <a:ln>
+            <a:solidFill>
+              <a:srgbClr val="FF0000"/>
+            </a:solidFill>
+            <a:headEnd type="triangle"/>
+          </a:ln>
+        </p:spPr>
+        <p:style>
+          <a:lnRef idx="1">
+            <a:schemeClr val="accent1"/>
+          </a:lnRef>
+          <a:fillRef idx="0">
+            <a:schemeClr val="accent1"/>
+          </a:fillRef>
+          <a:effectRef idx="0">
+            <a:schemeClr val="accent1"/>
+          </a:effectRef>
+          <a:fontRef idx="minor">
+            <a:schemeClr val="tx1"/>
+          </a:fontRef>
+        </p:style>
+        <p:txBody>
+          <a:bodyPr rtlCol="0" anchor="ctr"/>
+          <a:lstStyle/>
+          <a:p>
+            <a:pPr algn="ctr"/>
+            <a:endParaRPr lang="ko-KR" altLang="en-US"/>
+          </a:p>
+        </p:txBody>
+      </p:sp>
+      <p:sp>
+        <p:nvSpPr>
+          <p:cNvPr id="10" name="TextBox 9">
+            <a:extLst>
+              <a:ext uri="{FF2B5EF4-FFF2-40B4-BE49-F238E27FC236}">
+                <a16:creationId xmlns:a16="http://schemas.microsoft.com/office/drawing/2014/main" id="{07C9F38C-C188-4D3B-B48B-0B14C49BB1A7}"/>
+              </a:ext>
+            </a:extLst>
+          </p:cNvPr>
+          <p:cNvSpPr txBox="1"/>
+          <p:nvPr/>
+        </p:nvSpPr>
+        <p:spPr>
+          <a:xfrm>
+            <a:off x="330787" y="4360416"/>
+            <a:ext cx="3326552" cy="1678408"/>
+          </a:xfrm>
+          <a:prstGeom prst="rect">
+            <a:avLst/>
+          </a:prstGeom>
+          <a:noFill/>
+        </p:spPr>
+        <p:txBody>
+          <a:bodyPr wrap="none" rtlCol="0">
+            <a:spAutoFit/>
+          </a:bodyPr>
+          <a:lstStyle/>
+          <a:p>
+            <a:pPr marL="171450" indent="-171450">
+              <a:lnSpc>
+                <a:spcPct val="150000"/>
+              </a:lnSpc>
+              <a:buFont typeface="Arial" panose="020B0604020202020204" pitchFamily="34" charset="0"/>
+              <a:buChar char="•"/>
+            </a:pPr>
+            <a:r>
+              <a:rPr lang="ko-KR" altLang="en-US" sz="1000" dirty="0"/>
+              <a:t>이 실행계획을 통해</a:t>
+            </a:r>
+            <a:r>
+              <a:rPr lang="en-US" altLang="ko-KR" sz="1000" dirty="0"/>
+              <a:t>,</a:t>
+            </a:r>
+            <a:r>
+              <a:rPr lang="ko-KR" altLang="en-US" sz="1000" dirty="0"/>
+              <a:t> </a:t>
+            </a:r>
+            <a:endParaRPr lang="en-US" altLang="ko-KR" sz="1000" dirty="0"/>
+          </a:p>
+          <a:p>
+            <a:pPr>
+              <a:lnSpc>
+                <a:spcPct val="150000"/>
+              </a:lnSpc>
+            </a:pPr>
+            <a:r>
+              <a:rPr lang="en-US" altLang="ko-KR" sz="1000" dirty="0"/>
+              <a:t>   </a:t>
+            </a:r>
+            <a:r>
+              <a:rPr lang="ko-KR" altLang="en-US" sz="1000" dirty="0"/>
+              <a:t>세 개 이상의 테이블을 조인할 때</a:t>
+            </a:r>
+            <a:r>
+              <a:rPr lang="en-US" altLang="ko-KR" sz="1000" dirty="0"/>
+              <a:t> </a:t>
+            </a:r>
+            <a:r>
+              <a:rPr lang="ko-KR" altLang="en-US" sz="1000" dirty="0"/>
+              <a:t>해당 조인이 </a:t>
+            </a:r>
+            <a:endParaRPr lang="en-US" altLang="ko-KR" sz="1000" dirty="0"/>
+          </a:p>
+          <a:p>
+            <a:pPr>
+              <a:lnSpc>
+                <a:spcPct val="150000"/>
+              </a:lnSpc>
+            </a:pPr>
+            <a:r>
+              <a:rPr lang="en-US" altLang="ko-KR" sz="1000" dirty="0"/>
+              <a:t>   </a:t>
+            </a:r>
+            <a:r>
+              <a:rPr lang="ko-KR" altLang="en-US" sz="1000" dirty="0"/>
+              <a:t>한 번에 수행되지 않는 것을 알 수 있음</a:t>
+            </a:r>
+            <a:endParaRPr lang="en-US" altLang="ko-KR" sz="1000" dirty="0"/>
+          </a:p>
+          <a:p>
+            <a:pPr marL="171450" indent="-171450">
+              <a:lnSpc>
+                <a:spcPct val="150000"/>
+              </a:lnSpc>
+              <a:buFont typeface="Arial" panose="020B0604020202020204" pitchFamily="34" charset="0"/>
+              <a:buChar char="•"/>
+            </a:pPr>
+            <a:r>
+              <a:rPr lang="ko-KR" altLang="en-US" sz="1000" dirty="0"/>
+              <a:t>두 테이블을 조인하고</a:t>
+            </a:r>
+            <a:r>
+              <a:rPr lang="en-US" altLang="ko-KR" sz="1000" dirty="0"/>
+              <a:t>, </a:t>
+            </a:r>
+          </a:p>
+          <a:p>
+            <a:pPr>
+              <a:lnSpc>
+                <a:spcPct val="150000"/>
+              </a:lnSpc>
+            </a:pPr>
+            <a:r>
+              <a:rPr lang="en-US" altLang="ko-KR" sz="1000" dirty="0"/>
+              <a:t>    </a:t>
+            </a:r>
+            <a:r>
+              <a:rPr lang="ko-KR" altLang="en-US" sz="1000" dirty="0"/>
+              <a:t>해당 조인 결과와 나머지 테이블을 조인하는 식으로</a:t>
+            </a:r>
+            <a:endParaRPr lang="en-US" altLang="ko-KR" sz="1000" dirty="0"/>
+          </a:p>
+          <a:p>
+            <a:pPr>
+              <a:lnSpc>
+                <a:spcPct val="150000"/>
+              </a:lnSpc>
+            </a:pPr>
+            <a:r>
+              <a:rPr lang="en-US" altLang="ko-KR" sz="1000" dirty="0"/>
+              <a:t>    </a:t>
+            </a:r>
+            <a:r>
+              <a:rPr lang="ko-KR" altLang="en-US" sz="1000" dirty="0"/>
+              <a:t>수행됨 </a:t>
+            </a:r>
+            <a:endParaRPr lang="en-US" altLang="ko-KR" sz="1000" dirty="0"/>
+          </a:p>
+          <a:p>
+            <a:pPr marL="171450" indent="-171450">
+              <a:lnSpc>
+                <a:spcPct val="150000"/>
+              </a:lnSpc>
+              <a:buFont typeface="Arial" panose="020B0604020202020204" pitchFamily="34" charset="0"/>
+              <a:buChar char="•"/>
+            </a:pPr>
+            <a:endParaRPr lang="en-US" altLang="ko-KR" sz="1000" dirty="0"/>
+          </a:p>
+        </p:txBody>
+      </p:sp>
     </p:spTree>
     <p:extLst>
       <p:ext uri="{BB962C8B-B14F-4D97-AF65-F5344CB8AC3E}">
@@ -9950,6 +10215,2795 @@
     <p:extLst>
       <p:ext uri="{BB962C8B-B14F-4D97-AF65-F5344CB8AC3E}">
         <p14:creationId xmlns:p14="http://schemas.microsoft.com/office/powerpoint/2010/main" val="835698802"/>
+      </p:ext>
+    </p:extLst>
+  </p:cSld>
+  <p:clrMapOvr>
+    <a:masterClrMapping/>
+  </p:clrMapOvr>
+</p:sld>
+</file>
+
+<file path=ppt/slides/slide21.xml><?xml version="1.0" encoding="utf-8"?>
+<p:sld xmlns:a="http://schemas.openxmlformats.org/drawingml/2006/main" xmlns:r="http://schemas.openxmlformats.org/officeDocument/2006/relationships" xmlns:p="http://schemas.openxmlformats.org/presentationml/2006/main">
+  <p:cSld>
+    <p:spTree>
+      <p:nvGrpSpPr>
+        <p:cNvPr id="1" name=""/>
+        <p:cNvGrpSpPr/>
+        <p:nvPr/>
+      </p:nvGrpSpPr>
+      <p:grpSpPr>
+        <a:xfrm>
+          <a:off x="0" y="0"/>
+          <a:ext cx="0" cy="0"/>
+          <a:chOff x="0" y="0"/>
+          <a:chExt cx="0" cy="0"/>
+        </a:xfrm>
+      </p:grpSpPr>
+      <p:sp>
+        <p:nvSpPr>
+          <p:cNvPr id="2" name="제목 1">
+            <a:extLst>
+              <a:ext uri="{FF2B5EF4-FFF2-40B4-BE49-F238E27FC236}">
+                <a16:creationId xmlns:a16="http://schemas.microsoft.com/office/drawing/2014/main" id="{F35C43C8-4428-4D97-87C2-6ACA5057AB6C}"/>
+              </a:ext>
+            </a:extLst>
+          </p:cNvPr>
+          <p:cNvSpPr>
+            <a:spLocks noGrp="1"/>
+          </p:cNvSpPr>
+          <p:nvPr>
+            <p:ph type="title"/>
+          </p:nvPr>
+        </p:nvSpPr>
+        <p:spPr/>
+        <p:txBody>
+          <a:bodyPr/>
+          <a:lstStyle/>
+          <a:p>
+            <a:r>
+              <a:rPr lang="en-US" altLang="ko-KR" dirty="0">
+                <a:latin typeface="나눔고딕" panose="020B0600000101010101" charset="-127"/>
+                <a:ea typeface="나눔고딕" panose="020B0600000101010101" charset="-127"/>
+              </a:rPr>
+              <a:t>8. INLINE</a:t>
+            </a:r>
+            <a:endParaRPr lang="ko-KR" altLang="en-US" dirty="0">
+              <a:latin typeface="나눔고딕" panose="020B0600000101010101" charset="-127"/>
+              <a:ea typeface="나눔고딕" panose="020B0600000101010101" charset="-127"/>
+            </a:endParaRPr>
+          </a:p>
+        </p:txBody>
+      </p:sp>
+      <p:sp>
+        <p:nvSpPr>
+          <p:cNvPr id="13" name="텍스트 개체 틀 3">
+            <a:extLst>
+              <a:ext uri="{FF2B5EF4-FFF2-40B4-BE49-F238E27FC236}">
+                <a16:creationId xmlns:a16="http://schemas.microsoft.com/office/drawing/2014/main" id="{E8389F0A-C9BF-436E-8823-6D4E3DDC4C2C}"/>
+              </a:ext>
+            </a:extLst>
+          </p:cNvPr>
+          <p:cNvSpPr>
+            <a:spLocks noGrp="1"/>
+          </p:cNvSpPr>
+          <p:nvPr>
+            <p:ph type="body" sz="quarter" idx="13"/>
+          </p:nvPr>
+        </p:nvSpPr>
+        <p:spPr>
+          <a:xfrm>
+            <a:off x="6747393" y="62621"/>
+            <a:ext cx="2822735" cy="390525"/>
+          </a:xfrm>
+        </p:spPr>
+        <p:txBody>
+          <a:bodyPr/>
+          <a:lstStyle/>
+          <a:p>
+            <a:r>
+              <a:rPr lang="en-US" altLang="ko-KR" dirty="0">
+                <a:latin typeface="나눔고딕" panose="020D0604000000000000" pitchFamily="50" charset="-127"/>
+                <a:ea typeface="나눔고딕" panose="020D0604000000000000" pitchFamily="50" charset="-127"/>
+              </a:rPr>
+              <a:t>Ⅰ. Hint </a:t>
+            </a:r>
+            <a:r>
+              <a:rPr lang="ko-KR" altLang="en-US" dirty="0">
+                <a:latin typeface="나눔고딕" panose="020D0604000000000000" pitchFamily="50" charset="-127"/>
+                <a:ea typeface="나눔고딕" panose="020D0604000000000000" pitchFamily="50" charset="-127"/>
+              </a:rPr>
+              <a:t>활용</a:t>
+            </a:r>
+          </a:p>
+        </p:txBody>
+      </p:sp>
+      <p:sp>
+        <p:nvSpPr>
+          <p:cNvPr id="20" name="슬라이드 번호 개체 틀 2">
+            <a:extLst>
+              <a:ext uri="{FF2B5EF4-FFF2-40B4-BE49-F238E27FC236}">
+                <a16:creationId xmlns:a16="http://schemas.microsoft.com/office/drawing/2014/main" id="{7D9F27D7-8FB0-4B61-83F4-A0FAEC4B0345}"/>
+              </a:ext>
+            </a:extLst>
+          </p:cNvPr>
+          <p:cNvSpPr>
+            <a:spLocks noGrp="1"/>
+          </p:cNvSpPr>
+          <p:nvPr>
+            <p:ph type="sldNum" sz="quarter" idx="12"/>
+          </p:nvPr>
+        </p:nvSpPr>
+        <p:spPr>
+          <a:xfrm>
+            <a:off x="4439346" y="6528442"/>
+            <a:ext cx="1029301" cy="276999"/>
+          </a:xfrm>
+        </p:spPr>
+        <p:txBody>
+          <a:bodyPr>
+            <a:normAutofit fontScale="92500"/>
+          </a:bodyPr>
+          <a:lstStyle/>
+          <a:p>
+            <a:fld id="{EBB166B3-33A6-45CA-B81B-F13BE7654232}" type="slidenum">
+              <a:rPr lang="ko-KR" altLang="en-US" smtClean="0">
+                <a:latin typeface="나눔고딕" panose="020B0600000101010101" charset="-127"/>
+                <a:ea typeface="나눔고딕" panose="020B0600000101010101" charset="-127"/>
+              </a:rPr>
+              <a:t>20</a:t>
+            </a:fld>
+            <a:endParaRPr lang="ko-KR" altLang="en-US" dirty="0">
+              <a:latin typeface="나눔고딕" panose="020B0600000101010101" charset="-127"/>
+              <a:ea typeface="나눔고딕" panose="020B0600000101010101" charset="-127"/>
+            </a:endParaRPr>
+          </a:p>
+        </p:txBody>
+      </p:sp>
+    </p:spTree>
+    <p:extLst>
+      <p:ext uri="{BB962C8B-B14F-4D97-AF65-F5344CB8AC3E}">
+        <p14:creationId xmlns:p14="http://schemas.microsoft.com/office/powerpoint/2010/main" val="2643904416"/>
+      </p:ext>
+    </p:extLst>
+  </p:cSld>
+  <p:clrMapOvr>
+    <a:masterClrMapping/>
+  </p:clrMapOvr>
+</p:sld>
+</file>
+
+<file path=ppt/slides/slide22.xml><?xml version="1.0" encoding="utf-8"?>
+<p:sld xmlns:a="http://schemas.openxmlformats.org/drawingml/2006/main" xmlns:r="http://schemas.openxmlformats.org/officeDocument/2006/relationships" xmlns:p="http://schemas.openxmlformats.org/presentationml/2006/main">
+  <p:cSld>
+    <p:spTree>
+      <p:nvGrpSpPr>
+        <p:cNvPr id="1" name=""/>
+        <p:cNvGrpSpPr/>
+        <p:nvPr/>
+      </p:nvGrpSpPr>
+      <p:grpSpPr>
+        <a:xfrm>
+          <a:off x="0" y="0"/>
+          <a:ext cx="0" cy="0"/>
+          <a:chOff x="0" y="0"/>
+          <a:chExt cx="0" cy="0"/>
+        </a:xfrm>
+      </p:grpSpPr>
+      <p:sp>
+        <p:nvSpPr>
+          <p:cNvPr id="2" name="제목 1">
+            <a:extLst>
+              <a:ext uri="{FF2B5EF4-FFF2-40B4-BE49-F238E27FC236}">
+                <a16:creationId xmlns:a16="http://schemas.microsoft.com/office/drawing/2014/main" id="{F35C43C8-4428-4D97-87C2-6ACA5057AB6C}"/>
+              </a:ext>
+            </a:extLst>
+          </p:cNvPr>
+          <p:cNvSpPr>
+            <a:spLocks noGrp="1"/>
+          </p:cNvSpPr>
+          <p:nvPr>
+            <p:ph type="title"/>
+          </p:nvPr>
+        </p:nvSpPr>
+        <p:spPr/>
+        <p:txBody>
+          <a:bodyPr/>
+          <a:lstStyle/>
+          <a:p>
+            <a:r>
+              <a:rPr lang="en-US" altLang="ko-KR" dirty="0">
+                <a:latin typeface="나눔고딕" panose="020B0600000101010101" charset="-127"/>
+                <a:ea typeface="나눔고딕" panose="020B0600000101010101" charset="-127"/>
+              </a:rPr>
+              <a:t>9. MATERIALIZE</a:t>
+            </a:r>
+            <a:endParaRPr lang="ko-KR" altLang="en-US" dirty="0">
+              <a:latin typeface="나눔고딕" panose="020B0600000101010101" charset="-127"/>
+              <a:ea typeface="나눔고딕" panose="020B0600000101010101" charset="-127"/>
+            </a:endParaRPr>
+          </a:p>
+        </p:txBody>
+      </p:sp>
+      <p:sp>
+        <p:nvSpPr>
+          <p:cNvPr id="13" name="텍스트 개체 틀 3">
+            <a:extLst>
+              <a:ext uri="{FF2B5EF4-FFF2-40B4-BE49-F238E27FC236}">
+                <a16:creationId xmlns:a16="http://schemas.microsoft.com/office/drawing/2014/main" id="{E8389F0A-C9BF-436E-8823-6D4E3DDC4C2C}"/>
+              </a:ext>
+            </a:extLst>
+          </p:cNvPr>
+          <p:cNvSpPr>
+            <a:spLocks noGrp="1"/>
+          </p:cNvSpPr>
+          <p:nvPr>
+            <p:ph type="body" sz="quarter" idx="13"/>
+          </p:nvPr>
+        </p:nvSpPr>
+        <p:spPr>
+          <a:xfrm>
+            <a:off x="6747393" y="62621"/>
+            <a:ext cx="2822735" cy="390525"/>
+          </a:xfrm>
+        </p:spPr>
+        <p:txBody>
+          <a:bodyPr/>
+          <a:lstStyle/>
+          <a:p>
+            <a:r>
+              <a:rPr lang="en-US" altLang="ko-KR" dirty="0">
+                <a:latin typeface="나눔고딕" panose="020D0604000000000000" pitchFamily="50" charset="-127"/>
+                <a:ea typeface="나눔고딕" panose="020D0604000000000000" pitchFamily="50" charset="-127"/>
+              </a:rPr>
+              <a:t>Ⅰ. Hint </a:t>
+            </a:r>
+            <a:r>
+              <a:rPr lang="ko-KR" altLang="en-US" dirty="0">
+                <a:latin typeface="나눔고딕" panose="020D0604000000000000" pitchFamily="50" charset="-127"/>
+                <a:ea typeface="나눔고딕" panose="020D0604000000000000" pitchFamily="50" charset="-127"/>
+              </a:rPr>
+              <a:t>활용</a:t>
+            </a:r>
+          </a:p>
+        </p:txBody>
+      </p:sp>
+      <p:sp>
+        <p:nvSpPr>
+          <p:cNvPr id="20" name="슬라이드 번호 개체 틀 2">
+            <a:extLst>
+              <a:ext uri="{FF2B5EF4-FFF2-40B4-BE49-F238E27FC236}">
+                <a16:creationId xmlns:a16="http://schemas.microsoft.com/office/drawing/2014/main" id="{2767FB8C-0047-412E-918C-6C0391FAFAE4}"/>
+              </a:ext>
+            </a:extLst>
+          </p:cNvPr>
+          <p:cNvSpPr>
+            <a:spLocks noGrp="1"/>
+          </p:cNvSpPr>
+          <p:nvPr>
+            <p:ph type="sldNum" sz="quarter" idx="12"/>
+          </p:nvPr>
+        </p:nvSpPr>
+        <p:spPr>
+          <a:xfrm>
+            <a:off x="4439346" y="6528442"/>
+            <a:ext cx="1029301" cy="276999"/>
+          </a:xfrm>
+        </p:spPr>
+        <p:txBody>
+          <a:bodyPr>
+            <a:normAutofit fontScale="92500"/>
+          </a:bodyPr>
+          <a:lstStyle/>
+          <a:p>
+            <a:fld id="{EBB166B3-33A6-45CA-B81B-F13BE7654232}" type="slidenum">
+              <a:rPr lang="ko-KR" altLang="en-US" smtClean="0">
+                <a:latin typeface="나눔고딕" panose="020B0600000101010101" charset="-127"/>
+                <a:ea typeface="나눔고딕" panose="020B0600000101010101" charset="-127"/>
+              </a:rPr>
+              <a:t>21</a:t>
+            </a:fld>
+            <a:endParaRPr lang="ko-KR" altLang="en-US" dirty="0">
+              <a:latin typeface="나눔고딕" panose="020B0600000101010101" charset="-127"/>
+              <a:ea typeface="나눔고딕" panose="020B0600000101010101" charset="-127"/>
+            </a:endParaRPr>
+          </a:p>
+        </p:txBody>
+      </p:sp>
+    </p:spTree>
+    <p:extLst>
+      <p:ext uri="{BB962C8B-B14F-4D97-AF65-F5344CB8AC3E}">
+        <p14:creationId xmlns:p14="http://schemas.microsoft.com/office/powerpoint/2010/main" val="2653756543"/>
+      </p:ext>
+    </p:extLst>
+  </p:cSld>
+  <p:clrMapOvr>
+    <a:masterClrMapping/>
+  </p:clrMapOvr>
+</p:sld>
+</file>
+
+<file path=ppt/slides/slide23.xml><?xml version="1.0" encoding="utf-8"?>
+<p:sld xmlns:a="http://schemas.openxmlformats.org/drawingml/2006/main" xmlns:r="http://schemas.openxmlformats.org/officeDocument/2006/relationships" xmlns:p="http://schemas.openxmlformats.org/presentationml/2006/main">
+  <p:cSld>
+    <p:spTree>
+      <p:nvGrpSpPr>
+        <p:cNvPr id="1" name=""/>
+        <p:cNvGrpSpPr/>
+        <p:nvPr/>
+      </p:nvGrpSpPr>
+      <p:grpSpPr>
+        <a:xfrm>
+          <a:off x="0" y="0"/>
+          <a:ext cx="0" cy="0"/>
+          <a:chOff x="0" y="0"/>
+          <a:chExt cx="0" cy="0"/>
+        </a:xfrm>
+      </p:grpSpPr>
+      <p:sp>
+        <p:nvSpPr>
+          <p:cNvPr id="2" name="제목 1">
+            <a:extLst>
+              <a:ext uri="{FF2B5EF4-FFF2-40B4-BE49-F238E27FC236}">
+                <a16:creationId xmlns:a16="http://schemas.microsoft.com/office/drawing/2014/main" id="{F35C43C8-4428-4D97-87C2-6ACA5057AB6C}"/>
+              </a:ext>
+            </a:extLst>
+          </p:cNvPr>
+          <p:cNvSpPr>
+            <a:spLocks noGrp="1"/>
+          </p:cNvSpPr>
+          <p:nvPr>
+            <p:ph type="title"/>
+          </p:nvPr>
+        </p:nvSpPr>
+        <p:spPr/>
+        <p:txBody>
+          <a:bodyPr/>
+          <a:lstStyle/>
+          <a:p>
+            <a:r>
+              <a:rPr lang="en-US" altLang="ko-KR" dirty="0">
+                <a:latin typeface="나눔고딕" panose="020B0600000101010101" charset="-127"/>
+                <a:ea typeface="나눔고딕" panose="020B0600000101010101" charset="-127"/>
+              </a:rPr>
+              <a:t>9. WITH INLINE VS WITH MATERIALIZE</a:t>
+            </a:r>
+            <a:endParaRPr lang="ko-KR" altLang="en-US" dirty="0">
+              <a:latin typeface="나눔고딕" panose="020B0600000101010101" charset="-127"/>
+              <a:ea typeface="나눔고딕" panose="020B0600000101010101" charset="-127"/>
+            </a:endParaRPr>
+          </a:p>
+        </p:txBody>
+      </p:sp>
+      <p:sp>
+        <p:nvSpPr>
+          <p:cNvPr id="13" name="텍스트 개체 틀 3">
+            <a:extLst>
+              <a:ext uri="{FF2B5EF4-FFF2-40B4-BE49-F238E27FC236}">
+                <a16:creationId xmlns:a16="http://schemas.microsoft.com/office/drawing/2014/main" id="{E8389F0A-C9BF-436E-8823-6D4E3DDC4C2C}"/>
+              </a:ext>
+            </a:extLst>
+          </p:cNvPr>
+          <p:cNvSpPr>
+            <a:spLocks noGrp="1"/>
+          </p:cNvSpPr>
+          <p:nvPr>
+            <p:ph type="body" sz="quarter" idx="13"/>
+          </p:nvPr>
+        </p:nvSpPr>
+        <p:spPr>
+          <a:xfrm>
+            <a:off x="6747393" y="62621"/>
+            <a:ext cx="2822735" cy="390525"/>
+          </a:xfrm>
+        </p:spPr>
+        <p:txBody>
+          <a:bodyPr/>
+          <a:lstStyle/>
+          <a:p>
+            <a:r>
+              <a:rPr lang="en-US" altLang="ko-KR" dirty="0">
+                <a:latin typeface="나눔고딕" panose="020D0604000000000000" pitchFamily="50" charset="-127"/>
+                <a:ea typeface="나눔고딕" panose="020D0604000000000000" pitchFamily="50" charset="-127"/>
+              </a:rPr>
+              <a:t>Ⅰ. Hint </a:t>
+            </a:r>
+            <a:r>
+              <a:rPr lang="ko-KR" altLang="en-US" dirty="0">
+                <a:latin typeface="나눔고딕" panose="020D0604000000000000" pitchFamily="50" charset="-127"/>
+                <a:ea typeface="나눔고딕" panose="020D0604000000000000" pitchFamily="50" charset="-127"/>
+              </a:rPr>
+              <a:t>활용</a:t>
+            </a:r>
+          </a:p>
+        </p:txBody>
+      </p:sp>
+      <p:sp>
+        <p:nvSpPr>
+          <p:cNvPr id="4" name="슬라이드 번호 개체 틀 2">
+            <a:extLst>
+              <a:ext uri="{FF2B5EF4-FFF2-40B4-BE49-F238E27FC236}">
+                <a16:creationId xmlns:a16="http://schemas.microsoft.com/office/drawing/2014/main" id="{5E9C134B-463A-4534-AD43-2D589D3BABC9}"/>
+              </a:ext>
+            </a:extLst>
+          </p:cNvPr>
+          <p:cNvSpPr>
+            <a:spLocks noGrp="1"/>
+          </p:cNvSpPr>
+          <p:nvPr>
+            <p:ph type="sldNum" sz="quarter" idx="12"/>
+          </p:nvPr>
+        </p:nvSpPr>
+        <p:spPr>
+          <a:xfrm>
+            <a:off x="4439346" y="6528442"/>
+            <a:ext cx="1029301" cy="276999"/>
+          </a:xfrm>
+        </p:spPr>
+        <p:txBody>
+          <a:bodyPr>
+            <a:normAutofit fontScale="92500"/>
+          </a:bodyPr>
+          <a:lstStyle/>
+          <a:p>
+            <a:fld id="{EBB166B3-33A6-45CA-B81B-F13BE7654232}" type="slidenum">
+              <a:rPr lang="ko-KR" altLang="en-US" smtClean="0">
+                <a:latin typeface="나눔고딕" panose="020B0600000101010101" charset="-127"/>
+                <a:ea typeface="나눔고딕" panose="020B0600000101010101" charset="-127"/>
+              </a:rPr>
+              <a:t>22</a:t>
+            </a:fld>
+            <a:endParaRPr lang="ko-KR" altLang="en-US" dirty="0">
+              <a:latin typeface="나눔고딕" panose="020B0600000101010101" charset="-127"/>
+              <a:ea typeface="나눔고딕" panose="020B0600000101010101" charset="-127"/>
+            </a:endParaRPr>
+          </a:p>
+        </p:txBody>
+      </p:sp>
+    </p:spTree>
+    <p:extLst>
+      <p:ext uri="{BB962C8B-B14F-4D97-AF65-F5344CB8AC3E}">
+        <p14:creationId xmlns:p14="http://schemas.microsoft.com/office/powerpoint/2010/main" val="113106630"/>
+      </p:ext>
+    </p:extLst>
+  </p:cSld>
+  <p:clrMapOvr>
+    <a:masterClrMapping/>
+  </p:clrMapOvr>
+</p:sld>
+</file>
+
+<file path=ppt/slides/slide24.xml><?xml version="1.0" encoding="utf-8"?>
+<p:sld xmlns:a="http://schemas.openxmlformats.org/drawingml/2006/main" xmlns:r="http://schemas.openxmlformats.org/officeDocument/2006/relationships" xmlns:p="http://schemas.openxmlformats.org/presentationml/2006/main">
+  <p:cSld>
+    <p:spTree>
+      <p:nvGrpSpPr>
+        <p:cNvPr id="1" name=""/>
+        <p:cNvGrpSpPr/>
+        <p:nvPr/>
+      </p:nvGrpSpPr>
+      <p:grpSpPr>
+        <a:xfrm>
+          <a:off x="0" y="0"/>
+          <a:ext cx="0" cy="0"/>
+          <a:chOff x="0" y="0"/>
+          <a:chExt cx="0" cy="0"/>
+        </a:xfrm>
+      </p:grpSpPr>
+      <p:sp>
+        <p:nvSpPr>
+          <p:cNvPr id="2" name="제목 1">
+            <a:extLst>
+              <a:ext uri="{FF2B5EF4-FFF2-40B4-BE49-F238E27FC236}">
+                <a16:creationId xmlns:a16="http://schemas.microsoft.com/office/drawing/2014/main" id="{F35C43C8-4428-4D97-87C2-6ACA5057AB6C}"/>
+              </a:ext>
+            </a:extLst>
+          </p:cNvPr>
+          <p:cNvSpPr>
+            <a:spLocks noGrp="1"/>
+          </p:cNvSpPr>
+          <p:nvPr>
+            <p:ph type="title"/>
+          </p:nvPr>
+        </p:nvSpPr>
+        <p:spPr/>
+        <p:txBody>
+          <a:bodyPr/>
+          <a:lstStyle/>
+          <a:p>
+            <a:r>
+              <a:rPr lang="en-US" altLang="ko-KR" dirty="0">
+                <a:latin typeface="나눔고딕" panose="020B0600000101010101" charset="-127"/>
+                <a:ea typeface="나눔고딕" panose="020B0600000101010101" charset="-127"/>
+              </a:rPr>
+              <a:t>10. UNNEST &amp; PUSH_SUBQ</a:t>
+            </a:r>
+            <a:endParaRPr lang="ko-KR" altLang="en-US" dirty="0">
+              <a:latin typeface="나눔고딕" panose="020B0600000101010101" charset="-127"/>
+              <a:ea typeface="나눔고딕" panose="020B0600000101010101" charset="-127"/>
+            </a:endParaRPr>
+          </a:p>
+        </p:txBody>
+      </p:sp>
+      <p:sp>
+        <p:nvSpPr>
+          <p:cNvPr id="13" name="텍스트 개체 틀 3">
+            <a:extLst>
+              <a:ext uri="{FF2B5EF4-FFF2-40B4-BE49-F238E27FC236}">
+                <a16:creationId xmlns:a16="http://schemas.microsoft.com/office/drawing/2014/main" id="{E8389F0A-C9BF-436E-8823-6D4E3DDC4C2C}"/>
+              </a:ext>
+            </a:extLst>
+          </p:cNvPr>
+          <p:cNvSpPr>
+            <a:spLocks noGrp="1"/>
+          </p:cNvSpPr>
+          <p:nvPr>
+            <p:ph type="body" sz="quarter" idx="13"/>
+          </p:nvPr>
+        </p:nvSpPr>
+        <p:spPr>
+          <a:xfrm>
+            <a:off x="6747393" y="62621"/>
+            <a:ext cx="2822735" cy="390525"/>
+          </a:xfrm>
+        </p:spPr>
+        <p:txBody>
+          <a:bodyPr/>
+          <a:lstStyle/>
+          <a:p>
+            <a:r>
+              <a:rPr lang="en-US" altLang="ko-KR" dirty="0">
+                <a:latin typeface="나눔고딕" panose="020D0604000000000000" pitchFamily="50" charset="-127"/>
+                <a:ea typeface="나눔고딕" panose="020D0604000000000000" pitchFamily="50" charset="-127"/>
+              </a:rPr>
+              <a:t>Ⅰ. Hint </a:t>
+            </a:r>
+            <a:r>
+              <a:rPr lang="ko-KR" altLang="en-US" dirty="0">
+                <a:latin typeface="나눔고딕" panose="020D0604000000000000" pitchFamily="50" charset="-127"/>
+                <a:ea typeface="나눔고딕" panose="020D0604000000000000" pitchFamily="50" charset="-127"/>
+              </a:rPr>
+              <a:t>활용</a:t>
+            </a:r>
+          </a:p>
+        </p:txBody>
+      </p:sp>
+      <p:sp>
+        <p:nvSpPr>
+          <p:cNvPr id="4" name="슬라이드 번호 개체 틀 2">
+            <a:extLst>
+              <a:ext uri="{FF2B5EF4-FFF2-40B4-BE49-F238E27FC236}">
+                <a16:creationId xmlns:a16="http://schemas.microsoft.com/office/drawing/2014/main" id="{D4E8D84A-1B73-4F78-83CB-55ED130BD517}"/>
+              </a:ext>
+            </a:extLst>
+          </p:cNvPr>
+          <p:cNvSpPr>
+            <a:spLocks noGrp="1"/>
+          </p:cNvSpPr>
+          <p:nvPr>
+            <p:ph type="sldNum" sz="quarter" idx="12"/>
+          </p:nvPr>
+        </p:nvSpPr>
+        <p:spPr>
+          <a:xfrm>
+            <a:off x="4439346" y="6528442"/>
+            <a:ext cx="1029301" cy="276999"/>
+          </a:xfrm>
+        </p:spPr>
+        <p:txBody>
+          <a:bodyPr>
+            <a:normAutofit fontScale="92500"/>
+          </a:bodyPr>
+          <a:lstStyle/>
+          <a:p>
+            <a:fld id="{EBB166B3-33A6-45CA-B81B-F13BE7654232}" type="slidenum">
+              <a:rPr lang="ko-KR" altLang="en-US" smtClean="0">
+                <a:latin typeface="나눔고딕" panose="020B0600000101010101" charset="-127"/>
+                <a:ea typeface="나눔고딕" panose="020B0600000101010101" charset="-127"/>
+              </a:rPr>
+              <a:t>23</a:t>
+            </a:fld>
+            <a:endParaRPr lang="ko-KR" altLang="en-US" dirty="0">
+              <a:latin typeface="나눔고딕" panose="020B0600000101010101" charset="-127"/>
+              <a:ea typeface="나눔고딕" panose="020B0600000101010101" charset="-127"/>
+            </a:endParaRPr>
+          </a:p>
+        </p:txBody>
+      </p:sp>
+    </p:spTree>
+    <p:extLst>
+      <p:ext uri="{BB962C8B-B14F-4D97-AF65-F5344CB8AC3E}">
+        <p14:creationId xmlns:p14="http://schemas.microsoft.com/office/powerpoint/2010/main" val="2924688023"/>
+      </p:ext>
+    </p:extLst>
+  </p:cSld>
+  <p:clrMapOvr>
+    <a:masterClrMapping/>
+  </p:clrMapOvr>
+</p:sld>
+</file>
+
+<file path=ppt/slides/slide25.xml><?xml version="1.0" encoding="utf-8"?>
+<p:sld xmlns:a="http://schemas.openxmlformats.org/drawingml/2006/main" xmlns:r="http://schemas.openxmlformats.org/officeDocument/2006/relationships" xmlns:p="http://schemas.openxmlformats.org/presentationml/2006/main">
+  <p:cSld>
+    <p:spTree>
+      <p:nvGrpSpPr>
+        <p:cNvPr id="1" name=""/>
+        <p:cNvGrpSpPr/>
+        <p:nvPr/>
+      </p:nvGrpSpPr>
+      <p:grpSpPr>
+        <a:xfrm>
+          <a:off x="0" y="0"/>
+          <a:ext cx="0" cy="0"/>
+          <a:chOff x="0" y="0"/>
+          <a:chExt cx="0" cy="0"/>
+        </a:xfrm>
+      </p:grpSpPr>
+      <p:sp>
+        <p:nvSpPr>
+          <p:cNvPr id="2" name="제목 1">
+            <a:extLst>
+              <a:ext uri="{FF2B5EF4-FFF2-40B4-BE49-F238E27FC236}">
+                <a16:creationId xmlns:a16="http://schemas.microsoft.com/office/drawing/2014/main" id="{F35C43C8-4428-4D97-87C2-6ACA5057AB6C}"/>
+              </a:ext>
+            </a:extLst>
+          </p:cNvPr>
+          <p:cNvSpPr>
+            <a:spLocks noGrp="1"/>
+          </p:cNvSpPr>
+          <p:nvPr>
+            <p:ph type="title"/>
+          </p:nvPr>
+        </p:nvSpPr>
+        <p:spPr/>
+        <p:txBody>
+          <a:bodyPr/>
+          <a:lstStyle/>
+          <a:p>
+            <a:r>
+              <a:rPr lang="en-US" altLang="ko-KR" dirty="0">
+                <a:latin typeface="나눔고딕" panose="020B0600000101010101" charset="-127"/>
+                <a:ea typeface="나눔고딕" panose="020B0600000101010101" charset="-127"/>
+              </a:rPr>
+              <a:t>11. PARALLEL</a:t>
+            </a:r>
+            <a:endParaRPr lang="ko-KR" altLang="en-US" dirty="0">
+              <a:latin typeface="나눔고딕" panose="020B0600000101010101" charset="-127"/>
+              <a:ea typeface="나눔고딕" panose="020B0600000101010101" charset="-127"/>
+            </a:endParaRPr>
+          </a:p>
+        </p:txBody>
+      </p:sp>
+      <p:sp>
+        <p:nvSpPr>
+          <p:cNvPr id="13" name="텍스트 개체 틀 3">
+            <a:extLst>
+              <a:ext uri="{FF2B5EF4-FFF2-40B4-BE49-F238E27FC236}">
+                <a16:creationId xmlns:a16="http://schemas.microsoft.com/office/drawing/2014/main" id="{E8389F0A-C9BF-436E-8823-6D4E3DDC4C2C}"/>
+              </a:ext>
+            </a:extLst>
+          </p:cNvPr>
+          <p:cNvSpPr>
+            <a:spLocks noGrp="1"/>
+          </p:cNvSpPr>
+          <p:nvPr>
+            <p:ph type="body" sz="quarter" idx="13"/>
+          </p:nvPr>
+        </p:nvSpPr>
+        <p:spPr>
+          <a:xfrm>
+            <a:off x="6747393" y="62621"/>
+            <a:ext cx="2822735" cy="390525"/>
+          </a:xfrm>
+        </p:spPr>
+        <p:txBody>
+          <a:bodyPr/>
+          <a:lstStyle/>
+          <a:p>
+            <a:r>
+              <a:rPr lang="en-US" altLang="ko-KR" dirty="0">
+                <a:latin typeface="나눔고딕" panose="020D0604000000000000" pitchFamily="50" charset="-127"/>
+                <a:ea typeface="나눔고딕" panose="020D0604000000000000" pitchFamily="50" charset="-127"/>
+              </a:rPr>
+              <a:t>Ⅰ. Hint </a:t>
+            </a:r>
+            <a:r>
+              <a:rPr lang="ko-KR" altLang="en-US" dirty="0">
+                <a:latin typeface="나눔고딕" panose="020D0604000000000000" pitchFamily="50" charset="-127"/>
+                <a:ea typeface="나눔고딕" panose="020D0604000000000000" pitchFamily="50" charset="-127"/>
+              </a:rPr>
+              <a:t>활용</a:t>
+            </a:r>
+          </a:p>
+        </p:txBody>
+      </p:sp>
+      <p:grpSp>
+        <p:nvGrpSpPr>
+          <p:cNvPr id="7" name="그룹 6">
+            <a:extLst>
+              <a:ext uri="{FF2B5EF4-FFF2-40B4-BE49-F238E27FC236}">
+                <a16:creationId xmlns:a16="http://schemas.microsoft.com/office/drawing/2014/main" id="{7928C17E-34E3-40D0-BEFE-A738D9111DEE}"/>
+              </a:ext>
+            </a:extLst>
+          </p:cNvPr>
+          <p:cNvGrpSpPr/>
+          <p:nvPr/>
+        </p:nvGrpSpPr>
+        <p:grpSpPr>
+          <a:xfrm>
+            <a:off x="294944" y="3429000"/>
+            <a:ext cx="6045471" cy="2888166"/>
+            <a:chOff x="294944" y="2486091"/>
+            <a:chExt cx="7469965" cy="3515230"/>
+          </a:xfrm>
+        </p:grpSpPr>
+        <p:pic>
+          <p:nvPicPr>
+            <p:cNvPr id="4" name="그림 3">
+              <a:extLst>
+                <a:ext uri="{FF2B5EF4-FFF2-40B4-BE49-F238E27FC236}">
+                  <a16:creationId xmlns:a16="http://schemas.microsoft.com/office/drawing/2014/main" id="{052B2EF7-1AAA-4DBF-97E4-9B7A3E72924A}"/>
+                </a:ext>
+              </a:extLst>
+            </p:cNvPr>
+            <p:cNvPicPr>
+              <a:picLocks noChangeAspect="1"/>
+            </p:cNvPicPr>
+            <p:nvPr/>
+          </p:nvPicPr>
+          <p:blipFill>
+            <a:blip r:embed="rId2"/>
+            <a:stretch>
+              <a:fillRect/>
+            </a:stretch>
+          </p:blipFill>
+          <p:spPr>
+            <a:xfrm>
+              <a:off x="391301" y="3042518"/>
+              <a:ext cx="2733675" cy="1152525"/>
+            </a:xfrm>
+            <a:prstGeom prst="rect">
+              <a:avLst/>
+            </a:prstGeom>
+          </p:spPr>
+        </p:pic>
+        <p:pic>
+          <p:nvPicPr>
+            <p:cNvPr id="6" name="그림 5">
+              <a:extLst>
+                <a:ext uri="{FF2B5EF4-FFF2-40B4-BE49-F238E27FC236}">
+                  <a16:creationId xmlns:a16="http://schemas.microsoft.com/office/drawing/2014/main" id="{0B1F60E7-6B95-4244-B6B3-E66502C8634F}"/>
+                </a:ext>
+              </a:extLst>
+            </p:cNvPr>
+            <p:cNvPicPr>
+              <a:picLocks noChangeAspect="1"/>
+            </p:cNvPicPr>
+            <p:nvPr/>
+          </p:nvPicPr>
+          <p:blipFill>
+            <a:blip r:embed="rId3"/>
+            <a:stretch>
+              <a:fillRect/>
+            </a:stretch>
+          </p:blipFill>
+          <p:spPr>
+            <a:xfrm>
+              <a:off x="363984" y="4281578"/>
+              <a:ext cx="7400925" cy="1676400"/>
+            </a:xfrm>
+            <a:prstGeom prst="rect">
+              <a:avLst/>
+            </a:prstGeom>
+          </p:spPr>
+        </p:pic>
+        <p:sp>
+          <p:nvSpPr>
+            <p:cNvPr id="8" name="직사각형 7">
+              <a:extLst>
+                <a:ext uri="{FF2B5EF4-FFF2-40B4-BE49-F238E27FC236}">
+                  <a16:creationId xmlns:a16="http://schemas.microsoft.com/office/drawing/2014/main" id="{56949FB3-FF1B-454F-969C-99D3177A660A}"/>
+                </a:ext>
+              </a:extLst>
+            </p:cNvPr>
+            <p:cNvSpPr/>
+            <p:nvPr/>
+          </p:nvSpPr>
+          <p:spPr>
+            <a:xfrm>
+              <a:off x="294944" y="2932980"/>
+              <a:ext cx="7469965" cy="3068341"/>
+            </a:xfrm>
+            <a:prstGeom prst="rect">
+              <a:avLst/>
+            </a:prstGeom>
+            <a:noFill/>
+          </p:spPr>
+          <p:style>
+            <a:lnRef idx="2">
+              <a:schemeClr val="accent1">
+                <a:shade val="50000"/>
+              </a:schemeClr>
+            </a:lnRef>
+            <a:fillRef idx="1">
+              <a:schemeClr val="accent1"/>
+            </a:fillRef>
+            <a:effectRef idx="0">
+              <a:schemeClr val="accent1"/>
+            </a:effectRef>
+            <a:fontRef idx="minor">
+              <a:schemeClr val="lt1"/>
+            </a:fontRef>
+          </p:style>
+          <p:txBody>
+            <a:bodyPr rtlCol="0" anchor="ctr"/>
+            <a:lstStyle/>
+            <a:p>
+              <a:pPr algn="ctr"/>
+              <a:endParaRPr lang="ko-KR" altLang="en-US" dirty="0">
+                <a:latin typeface="나눔고딕" panose="020B0600000101010101" charset="-127"/>
+                <a:ea typeface="나눔고딕" panose="020B0600000101010101" charset="-127"/>
+              </a:endParaRPr>
+            </a:p>
+          </p:txBody>
+        </p:sp>
+        <p:sp>
+          <p:nvSpPr>
+            <p:cNvPr id="9" name="자유형 23">
+              <a:extLst>
+                <a:ext uri="{FF2B5EF4-FFF2-40B4-BE49-F238E27FC236}">
+                  <a16:creationId xmlns:a16="http://schemas.microsoft.com/office/drawing/2014/main" id="{D68BF835-EB81-42DD-9CED-E488EF1F6007}"/>
+                </a:ext>
+              </a:extLst>
+            </p:cNvPr>
+            <p:cNvSpPr>
+              <a:spLocks noChangeArrowheads="1"/>
+            </p:cNvSpPr>
+            <p:nvPr/>
+          </p:nvSpPr>
+          <p:spPr bwMode="gray">
+            <a:xfrm>
+              <a:off x="294944" y="2486091"/>
+              <a:ext cx="2488273" cy="446889"/>
+            </a:xfrm>
+            <a:custGeom>
+              <a:avLst/>
+              <a:gdLst>
+                <a:gd name="connsiteX0" fmla="*/ 48729 w 1587995"/>
+                <a:gd name="connsiteY0" fmla="*/ 0 h 292361"/>
+                <a:gd name="connsiteX1" fmla="*/ 1539267 w 1587995"/>
+                <a:gd name="connsiteY1" fmla="*/ 0 h 292361"/>
+                <a:gd name="connsiteX2" fmla="*/ 1587995 w 1587995"/>
+                <a:gd name="connsiteY2" fmla="*/ 48728 h 292361"/>
+                <a:gd name="connsiteX3" fmla="*/ 1587995 w 1587995"/>
+                <a:gd name="connsiteY3" fmla="*/ 243633 h 292361"/>
+                <a:gd name="connsiteX4" fmla="*/ 1587994 w 1587995"/>
+                <a:gd name="connsiteY4" fmla="*/ 243636 h 292361"/>
+                <a:gd name="connsiteX5" fmla="*/ 1587994 w 1587995"/>
+                <a:gd name="connsiteY5" fmla="*/ 292361 h 292361"/>
+                <a:gd name="connsiteX6" fmla="*/ 1539267 w 1587995"/>
+                <a:gd name="connsiteY6" fmla="*/ 292361 h 292361"/>
+                <a:gd name="connsiteX7" fmla="*/ 48729 w 1587995"/>
+                <a:gd name="connsiteY7" fmla="*/ 292361 h 292361"/>
+                <a:gd name="connsiteX8" fmla="*/ 0 w 1587995"/>
+                <a:gd name="connsiteY8" fmla="*/ 292361 h 292361"/>
+                <a:gd name="connsiteX9" fmla="*/ 0 w 1587995"/>
+                <a:gd name="connsiteY9" fmla="*/ 152400 h 292361"/>
+                <a:gd name="connsiteX10" fmla="*/ 1 w 1587995"/>
+                <a:gd name="connsiteY10" fmla="*/ 152400 h 292361"/>
+                <a:gd name="connsiteX11" fmla="*/ 1 w 1587995"/>
+                <a:gd name="connsiteY11" fmla="*/ 48728 h 292361"/>
+                <a:gd name="connsiteX12" fmla="*/ 48729 w 1587995"/>
+                <a:gd name="connsiteY12" fmla="*/ 0 h 292361"/>
+              </a:gdLst>
+              <a:ahLst/>
+              <a:cxnLst>
+                <a:cxn ang="0">
+                  <a:pos x="connsiteX0" y="connsiteY0"/>
+                </a:cxn>
+                <a:cxn ang="0">
+                  <a:pos x="connsiteX1" y="connsiteY1"/>
+                </a:cxn>
+                <a:cxn ang="0">
+                  <a:pos x="connsiteX2" y="connsiteY2"/>
+                </a:cxn>
+                <a:cxn ang="0">
+                  <a:pos x="connsiteX3" y="connsiteY3"/>
+                </a:cxn>
+                <a:cxn ang="0">
+                  <a:pos x="connsiteX4" y="connsiteY4"/>
+                </a:cxn>
+                <a:cxn ang="0">
+                  <a:pos x="connsiteX5" y="connsiteY5"/>
+                </a:cxn>
+                <a:cxn ang="0">
+                  <a:pos x="connsiteX6" y="connsiteY6"/>
+                </a:cxn>
+                <a:cxn ang="0">
+                  <a:pos x="connsiteX7" y="connsiteY7"/>
+                </a:cxn>
+                <a:cxn ang="0">
+                  <a:pos x="connsiteX8" y="connsiteY8"/>
+                </a:cxn>
+                <a:cxn ang="0">
+                  <a:pos x="connsiteX9" y="connsiteY9"/>
+                </a:cxn>
+                <a:cxn ang="0">
+                  <a:pos x="connsiteX10" y="connsiteY10"/>
+                </a:cxn>
+                <a:cxn ang="0">
+                  <a:pos x="connsiteX11" y="connsiteY11"/>
+                </a:cxn>
+                <a:cxn ang="0">
+                  <a:pos x="connsiteX12" y="connsiteY12"/>
+                </a:cxn>
+              </a:cxnLst>
+              <a:rect l="l" t="t" r="r" b="b"/>
+              <a:pathLst>
+                <a:path w="1587995" h="292361">
+                  <a:moveTo>
+                    <a:pt x="48729" y="0"/>
+                  </a:moveTo>
+                  <a:lnTo>
+                    <a:pt x="1539267" y="0"/>
+                  </a:lnTo>
+                  <a:cubicBezTo>
+                    <a:pt x="1566179" y="0"/>
+                    <a:pt x="1587995" y="21816"/>
+                    <a:pt x="1587995" y="48728"/>
+                  </a:cubicBezTo>
+                  <a:lnTo>
+                    <a:pt x="1587995" y="243633"/>
+                  </a:lnTo>
+                  <a:lnTo>
+                    <a:pt x="1587994" y="243636"/>
+                  </a:lnTo>
+                  <a:lnTo>
+                    <a:pt x="1587994" y="292361"/>
+                  </a:lnTo>
+                  <a:lnTo>
+                    <a:pt x="1539267" y="292361"/>
+                  </a:lnTo>
+                  <a:lnTo>
+                    <a:pt x="48729" y="292361"/>
+                  </a:lnTo>
+                  <a:lnTo>
+                    <a:pt x="0" y="292361"/>
+                  </a:lnTo>
+                  <a:lnTo>
+                    <a:pt x="0" y="152400"/>
+                  </a:lnTo>
+                  <a:lnTo>
+                    <a:pt x="1" y="152400"/>
+                  </a:lnTo>
+                  <a:lnTo>
+                    <a:pt x="1" y="48728"/>
+                  </a:lnTo>
+                  <a:cubicBezTo>
+                    <a:pt x="1" y="21816"/>
+                    <a:pt x="21817" y="0"/>
+                    <a:pt x="48729" y="0"/>
+                  </a:cubicBezTo>
+                  <a:close/>
+                </a:path>
+              </a:pathLst>
+            </a:custGeom>
+            <a:solidFill>
+              <a:srgbClr val="002060"/>
+            </a:solidFill>
+            <a:ln w="9525" algn="ctr">
+              <a:solidFill>
+                <a:srgbClr val="002060"/>
+              </a:solidFill>
+              <a:miter lim="800000"/>
+              <a:headEnd/>
+              <a:tailEnd/>
+            </a:ln>
+            <a:effectLst>
+              <a:outerShdw blurRad="50800" dist="38100" dir="2700000" algn="tl" rotWithShape="0">
+                <a:prstClr val="black">
+                  <a:alpha val="40000"/>
+                </a:prstClr>
+              </a:outerShdw>
+            </a:effectLst>
+          </p:spPr>
+          <p:txBody>
+            <a:bodyPr wrap="square" lIns="72000" tIns="36000" rIns="72000" bIns="36000" anchor="ctr">
+              <a:noAutofit/>
+            </a:bodyPr>
+            <a:lstStyle/>
+            <a:p>
+              <a:pPr marR="0" lvl="0" algn="ctr" defTabSz="411163" eaLnBrk="0" fontAlgn="base" latinLnBrk="0" hangingPunct="0">
+                <a:spcBef>
+                  <a:spcPct val="0"/>
+                </a:spcBef>
+                <a:spcAft>
+                  <a:spcPct val="0"/>
+                </a:spcAft>
+                <a:buSzPct val="90000"/>
+                <a:tabLst>
+                  <a:tab pos="85725" algn="l"/>
+                </a:tabLst>
+                <a:defRPr/>
+              </a:pPr>
+              <a:r>
+                <a:rPr kumimoji="1" lang="en-US" altLang="ko-KR" sz="1200" b="1" i="0" u="none" strike="noStrike" kern="0" cap="none" spc="0" normalizeH="0" baseline="0" noProof="0" dirty="0">
+                  <a:ln>
+                    <a:noFill/>
+                  </a:ln>
+                  <a:solidFill>
+                    <a:schemeClr val="bg1"/>
+                  </a:solidFill>
+                  <a:effectLst/>
+                  <a:uLnTx/>
+                  <a:uFillTx/>
+                  <a:latin typeface="나눔고딕" panose="020B0600000101010101" charset="-127"/>
+                  <a:ea typeface="나눔고딕" panose="020B0600000101010101" charset="-127"/>
+                </a:rPr>
+                <a:t>PARALLEL SCAN</a:t>
+              </a:r>
+            </a:p>
+          </p:txBody>
+        </p:sp>
+      </p:grpSp>
+      <p:sp>
+        <p:nvSpPr>
+          <p:cNvPr id="10" name="슬라이드 번호 개체 틀 2">
+            <a:extLst>
+              <a:ext uri="{FF2B5EF4-FFF2-40B4-BE49-F238E27FC236}">
+                <a16:creationId xmlns:a16="http://schemas.microsoft.com/office/drawing/2014/main" id="{A617140A-F360-494C-B63C-116B507C3BE3}"/>
+              </a:ext>
+            </a:extLst>
+          </p:cNvPr>
+          <p:cNvSpPr>
+            <a:spLocks noGrp="1"/>
+          </p:cNvSpPr>
+          <p:nvPr>
+            <p:ph type="sldNum" sz="quarter" idx="12"/>
+          </p:nvPr>
+        </p:nvSpPr>
+        <p:spPr>
+          <a:xfrm>
+            <a:off x="4439346" y="6528442"/>
+            <a:ext cx="1029301" cy="276999"/>
+          </a:xfrm>
+        </p:spPr>
+        <p:txBody>
+          <a:bodyPr>
+            <a:normAutofit fontScale="92500"/>
+          </a:bodyPr>
+          <a:lstStyle/>
+          <a:p>
+            <a:fld id="{EBB166B3-33A6-45CA-B81B-F13BE7654232}" type="slidenum">
+              <a:rPr lang="ko-KR" altLang="en-US" smtClean="0">
+                <a:latin typeface="나눔고딕" panose="020B0600000101010101" charset="-127"/>
+                <a:ea typeface="나눔고딕" panose="020B0600000101010101" charset="-127"/>
+              </a:rPr>
+              <a:t>24</a:t>
+            </a:fld>
+            <a:endParaRPr lang="ko-KR" altLang="en-US" dirty="0">
+              <a:latin typeface="나눔고딕" panose="020B0600000101010101" charset="-127"/>
+              <a:ea typeface="나눔고딕" panose="020B0600000101010101" charset="-127"/>
+            </a:endParaRPr>
+          </a:p>
+        </p:txBody>
+      </p:sp>
+    </p:spTree>
+    <p:extLst>
+      <p:ext uri="{BB962C8B-B14F-4D97-AF65-F5344CB8AC3E}">
+        <p14:creationId xmlns:p14="http://schemas.microsoft.com/office/powerpoint/2010/main" val="1970704122"/>
+      </p:ext>
+    </p:extLst>
+  </p:cSld>
+  <p:clrMapOvr>
+    <a:masterClrMapping/>
+  </p:clrMapOvr>
+</p:sld>
+</file>
+
+<file path=ppt/slides/slide26.xml><?xml version="1.0" encoding="utf-8"?>
+<p:sld xmlns:a="http://schemas.openxmlformats.org/drawingml/2006/main" xmlns:r="http://schemas.openxmlformats.org/officeDocument/2006/relationships" xmlns:p="http://schemas.openxmlformats.org/presentationml/2006/main">
+  <p:cSld>
+    <p:spTree>
+      <p:nvGrpSpPr>
+        <p:cNvPr id="1" name=""/>
+        <p:cNvGrpSpPr/>
+        <p:nvPr/>
+      </p:nvGrpSpPr>
+      <p:grpSpPr>
+        <a:xfrm>
+          <a:off x="0" y="0"/>
+          <a:ext cx="0" cy="0"/>
+          <a:chOff x="0" y="0"/>
+          <a:chExt cx="0" cy="0"/>
+        </a:xfrm>
+      </p:grpSpPr>
+      <p:sp>
+        <p:nvSpPr>
+          <p:cNvPr id="2" name="제목 1">
+            <a:extLst>
+              <a:ext uri="{FF2B5EF4-FFF2-40B4-BE49-F238E27FC236}">
+                <a16:creationId xmlns:a16="http://schemas.microsoft.com/office/drawing/2014/main" id="{F35C43C8-4428-4D97-87C2-6ACA5057AB6C}"/>
+              </a:ext>
+            </a:extLst>
+          </p:cNvPr>
+          <p:cNvSpPr>
+            <a:spLocks noGrp="1"/>
+          </p:cNvSpPr>
+          <p:nvPr>
+            <p:ph type="title"/>
+          </p:nvPr>
+        </p:nvSpPr>
+        <p:spPr/>
+        <p:txBody>
+          <a:bodyPr/>
+          <a:lstStyle/>
+          <a:p>
+            <a:r>
+              <a:rPr lang="en-US" altLang="ko-KR" dirty="0">
+                <a:latin typeface="나눔고딕" panose="020B0600000101010101" charset="-127"/>
+                <a:ea typeface="나눔고딕" panose="020B0600000101010101" charset="-127"/>
+              </a:rPr>
+              <a:t>11. PARALLEL</a:t>
+            </a:r>
+            <a:endParaRPr lang="ko-KR" altLang="en-US" dirty="0">
+              <a:latin typeface="나눔고딕" panose="020B0600000101010101" charset="-127"/>
+              <a:ea typeface="나눔고딕" panose="020B0600000101010101" charset="-127"/>
+            </a:endParaRPr>
+          </a:p>
+        </p:txBody>
+      </p:sp>
+      <p:sp>
+        <p:nvSpPr>
+          <p:cNvPr id="13" name="텍스트 개체 틀 3">
+            <a:extLst>
+              <a:ext uri="{FF2B5EF4-FFF2-40B4-BE49-F238E27FC236}">
+                <a16:creationId xmlns:a16="http://schemas.microsoft.com/office/drawing/2014/main" id="{E8389F0A-C9BF-436E-8823-6D4E3DDC4C2C}"/>
+              </a:ext>
+            </a:extLst>
+          </p:cNvPr>
+          <p:cNvSpPr>
+            <a:spLocks noGrp="1"/>
+          </p:cNvSpPr>
+          <p:nvPr>
+            <p:ph type="body" sz="quarter" idx="13"/>
+          </p:nvPr>
+        </p:nvSpPr>
+        <p:spPr>
+          <a:xfrm>
+            <a:off x="6747393" y="62621"/>
+            <a:ext cx="2822735" cy="390525"/>
+          </a:xfrm>
+        </p:spPr>
+        <p:txBody>
+          <a:bodyPr/>
+          <a:lstStyle/>
+          <a:p>
+            <a:r>
+              <a:rPr lang="en-US" altLang="ko-KR" dirty="0">
+                <a:latin typeface="나눔고딕" panose="020D0604000000000000" pitchFamily="50" charset="-127"/>
+                <a:ea typeface="나눔고딕" panose="020D0604000000000000" pitchFamily="50" charset="-127"/>
+              </a:rPr>
+              <a:t>Ⅰ. Hint </a:t>
+            </a:r>
+            <a:r>
+              <a:rPr lang="ko-KR" altLang="en-US" dirty="0">
+                <a:latin typeface="나눔고딕" panose="020D0604000000000000" pitchFamily="50" charset="-127"/>
+                <a:ea typeface="나눔고딕" panose="020D0604000000000000" pitchFamily="50" charset="-127"/>
+              </a:rPr>
+              <a:t>활용</a:t>
+            </a:r>
+          </a:p>
+        </p:txBody>
+      </p:sp>
+      <p:sp>
+        <p:nvSpPr>
+          <p:cNvPr id="10" name="슬라이드 번호 개체 틀 2">
+            <a:extLst>
+              <a:ext uri="{FF2B5EF4-FFF2-40B4-BE49-F238E27FC236}">
+                <a16:creationId xmlns:a16="http://schemas.microsoft.com/office/drawing/2014/main" id="{A617140A-F360-494C-B63C-116B507C3BE3}"/>
+              </a:ext>
+            </a:extLst>
+          </p:cNvPr>
+          <p:cNvSpPr>
+            <a:spLocks noGrp="1"/>
+          </p:cNvSpPr>
+          <p:nvPr>
+            <p:ph type="sldNum" sz="quarter" idx="12"/>
+          </p:nvPr>
+        </p:nvSpPr>
+        <p:spPr>
+          <a:xfrm>
+            <a:off x="4439346" y="6528442"/>
+            <a:ext cx="1029301" cy="276999"/>
+          </a:xfrm>
+        </p:spPr>
+        <p:txBody>
+          <a:bodyPr>
+            <a:normAutofit fontScale="92500"/>
+          </a:bodyPr>
+          <a:lstStyle/>
+          <a:p>
+            <a:fld id="{EBB166B3-33A6-45CA-B81B-F13BE7654232}" type="slidenum">
+              <a:rPr lang="ko-KR" altLang="en-US" smtClean="0">
+                <a:latin typeface="나눔고딕" panose="020B0600000101010101" charset="-127"/>
+                <a:ea typeface="나눔고딕" panose="020B0600000101010101" charset="-127"/>
+              </a:rPr>
+              <a:t>25</a:t>
+            </a:fld>
+            <a:endParaRPr lang="ko-KR" altLang="en-US" dirty="0">
+              <a:latin typeface="나눔고딕" panose="020B0600000101010101" charset="-127"/>
+              <a:ea typeface="나눔고딕" panose="020B0600000101010101" charset="-127"/>
+            </a:endParaRPr>
+          </a:p>
+        </p:txBody>
+      </p:sp>
+      <p:grpSp>
+        <p:nvGrpSpPr>
+          <p:cNvPr id="16" name="그룹 15">
+            <a:extLst>
+              <a:ext uri="{FF2B5EF4-FFF2-40B4-BE49-F238E27FC236}">
+                <a16:creationId xmlns:a16="http://schemas.microsoft.com/office/drawing/2014/main" id="{A3FABC6D-A91F-42ED-8BCE-5591FDF9E2AF}"/>
+              </a:ext>
+            </a:extLst>
+          </p:cNvPr>
+          <p:cNvGrpSpPr/>
+          <p:nvPr/>
+        </p:nvGrpSpPr>
+        <p:grpSpPr>
+          <a:xfrm>
+            <a:off x="251813" y="772424"/>
+            <a:ext cx="6587232" cy="4394800"/>
+            <a:chOff x="260439" y="2118550"/>
+            <a:chExt cx="5743547" cy="3946719"/>
+          </a:xfrm>
+        </p:grpSpPr>
+        <p:pic>
+          <p:nvPicPr>
+            <p:cNvPr id="5" name="그림 4">
+              <a:extLst>
+                <a:ext uri="{FF2B5EF4-FFF2-40B4-BE49-F238E27FC236}">
+                  <a16:creationId xmlns:a16="http://schemas.microsoft.com/office/drawing/2014/main" id="{9FB69CD5-CFBD-408B-A5FB-1F0AFF60E6D9}"/>
+                </a:ext>
+              </a:extLst>
+            </p:cNvPr>
+            <p:cNvPicPr>
+              <a:picLocks noChangeAspect="1"/>
+            </p:cNvPicPr>
+            <p:nvPr/>
+          </p:nvPicPr>
+          <p:blipFill>
+            <a:blip r:embed="rId2"/>
+            <a:stretch>
+              <a:fillRect/>
+            </a:stretch>
+          </p:blipFill>
+          <p:spPr>
+            <a:xfrm>
+              <a:off x="342425" y="2573005"/>
+              <a:ext cx="4589016" cy="1200438"/>
+            </a:xfrm>
+            <a:prstGeom prst="rect">
+              <a:avLst/>
+            </a:prstGeom>
+          </p:spPr>
+        </p:pic>
+        <p:pic>
+          <p:nvPicPr>
+            <p:cNvPr id="12" name="그림 11">
+              <a:extLst>
+                <a:ext uri="{FF2B5EF4-FFF2-40B4-BE49-F238E27FC236}">
+                  <a16:creationId xmlns:a16="http://schemas.microsoft.com/office/drawing/2014/main" id="{67B127A2-63A5-496F-A2D8-0EC5B0E93C22}"/>
+                </a:ext>
+              </a:extLst>
+            </p:cNvPr>
+            <p:cNvPicPr>
+              <a:picLocks noChangeAspect="1"/>
+            </p:cNvPicPr>
+            <p:nvPr/>
+          </p:nvPicPr>
+          <p:blipFill>
+            <a:blip r:embed="rId3"/>
+            <a:stretch>
+              <a:fillRect/>
+            </a:stretch>
+          </p:blipFill>
+          <p:spPr>
+            <a:xfrm>
+              <a:off x="342426" y="3820598"/>
+              <a:ext cx="5661560" cy="2244671"/>
+            </a:xfrm>
+            <a:prstGeom prst="rect">
+              <a:avLst/>
+            </a:prstGeom>
+          </p:spPr>
+        </p:pic>
+        <p:sp>
+          <p:nvSpPr>
+            <p:cNvPr id="14" name="직사각형 13">
+              <a:extLst>
+                <a:ext uri="{FF2B5EF4-FFF2-40B4-BE49-F238E27FC236}">
+                  <a16:creationId xmlns:a16="http://schemas.microsoft.com/office/drawing/2014/main" id="{8A521D9C-CE22-4712-B9C3-D62454C3895F}"/>
+                </a:ext>
+              </a:extLst>
+            </p:cNvPr>
+            <p:cNvSpPr/>
+            <p:nvPr/>
+          </p:nvSpPr>
+          <p:spPr>
+            <a:xfrm>
+              <a:off x="260439" y="2493033"/>
+              <a:ext cx="5743547" cy="3572236"/>
+            </a:xfrm>
+            <a:prstGeom prst="rect">
+              <a:avLst/>
+            </a:prstGeom>
+            <a:noFill/>
+          </p:spPr>
+          <p:style>
+            <a:lnRef idx="2">
+              <a:schemeClr val="accent1">
+                <a:shade val="50000"/>
+              </a:schemeClr>
+            </a:lnRef>
+            <a:fillRef idx="1">
+              <a:schemeClr val="accent1"/>
+            </a:fillRef>
+            <a:effectRef idx="0">
+              <a:schemeClr val="accent1"/>
+            </a:effectRef>
+            <a:fontRef idx="minor">
+              <a:schemeClr val="lt1"/>
+            </a:fontRef>
+          </p:style>
+          <p:txBody>
+            <a:bodyPr rtlCol="0" anchor="ctr"/>
+            <a:lstStyle/>
+            <a:p>
+              <a:pPr algn="ctr"/>
+              <a:endParaRPr lang="ko-KR" altLang="en-US" dirty="0">
+                <a:latin typeface="나눔고딕" panose="020B0600000101010101" charset="-127"/>
+                <a:ea typeface="나눔고딕" panose="020B0600000101010101" charset="-127"/>
+              </a:endParaRPr>
+            </a:p>
+          </p:txBody>
+        </p:sp>
+        <p:sp>
+          <p:nvSpPr>
+            <p:cNvPr id="15" name="자유형 23">
+              <a:extLst>
+                <a:ext uri="{FF2B5EF4-FFF2-40B4-BE49-F238E27FC236}">
+                  <a16:creationId xmlns:a16="http://schemas.microsoft.com/office/drawing/2014/main" id="{00C1240E-E7F1-4168-AE7A-5FB7468AC009}"/>
+                </a:ext>
+              </a:extLst>
+            </p:cNvPr>
+            <p:cNvSpPr>
+              <a:spLocks noChangeArrowheads="1"/>
+            </p:cNvSpPr>
+            <p:nvPr/>
+          </p:nvSpPr>
+          <p:spPr bwMode="gray">
+            <a:xfrm>
+              <a:off x="260439" y="2118550"/>
+              <a:ext cx="1946647" cy="366736"/>
+            </a:xfrm>
+            <a:custGeom>
+              <a:avLst/>
+              <a:gdLst>
+                <a:gd name="connsiteX0" fmla="*/ 48729 w 1587995"/>
+                <a:gd name="connsiteY0" fmla="*/ 0 h 292361"/>
+                <a:gd name="connsiteX1" fmla="*/ 1539267 w 1587995"/>
+                <a:gd name="connsiteY1" fmla="*/ 0 h 292361"/>
+                <a:gd name="connsiteX2" fmla="*/ 1587995 w 1587995"/>
+                <a:gd name="connsiteY2" fmla="*/ 48728 h 292361"/>
+                <a:gd name="connsiteX3" fmla="*/ 1587995 w 1587995"/>
+                <a:gd name="connsiteY3" fmla="*/ 243633 h 292361"/>
+                <a:gd name="connsiteX4" fmla="*/ 1587994 w 1587995"/>
+                <a:gd name="connsiteY4" fmla="*/ 243636 h 292361"/>
+                <a:gd name="connsiteX5" fmla="*/ 1587994 w 1587995"/>
+                <a:gd name="connsiteY5" fmla="*/ 292361 h 292361"/>
+                <a:gd name="connsiteX6" fmla="*/ 1539267 w 1587995"/>
+                <a:gd name="connsiteY6" fmla="*/ 292361 h 292361"/>
+                <a:gd name="connsiteX7" fmla="*/ 48729 w 1587995"/>
+                <a:gd name="connsiteY7" fmla="*/ 292361 h 292361"/>
+                <a:gd name="connsiteX8" fmla="*/ 0 w 1587995"/>
+                <a:gd name="connsiteY8" fmla="*/ 292361 h 292361"/>
+                <a:gd name="connsiteX9" fmla="*/ 0 w 1587995"/>
+                <a:gd name="connsiteY9" fmla="*/ 152400 h 292361"/>
+                <a:gd name="connsiteX10" fmla="*/ 1 w 1587995"/>
+                <a:gd name="connsiteY10" fmla="*/ 152400 h 292361"/>
+                <a:gd name="connsiteX11" fmla="*/ 1 w 1587995"/>
+                <a:gd name="connsiteY11" fmla="*/ 48728 h 292361"/>
+                <a:gd name="connsiteX12" fmla="*/ 48729 w 1587995"/>
+                <a:gd name="connsiteY12" fmla="*/ 0 h 292361"/>
+              </a:gdLst>
+              <a:ahLst/>
+              <a:cxnLst>
+                <a:cxn ang="0">
+                  <a:pos x="connsiteX0" y="connsiteY0"/>
+                </a:cxn>
+                <a:cxn ang="0">
+                  <a:pos x="connsiteX1" y="connsiteY1"/>
+                </a:cxn>
+                <a:cxn ang="0">
+                  <a:pos x="connsiteX2" y="connsiteY2"/>
+                </a:cxn>
+                <a:cxn ang="0">
+                  <a:pos x="connsiteX3" y="connsiteY3"/>
+                </a:cxn>
+                <a:cxn ang="0">
+                  <a:pos x="connsiteX4" y="connsiteY4"/>
+                </a:cxn>
+                <a:cxn ang="0">
+                  <a:pos x="connsiteX5" y="connsiteY5"/>
+                </a:cxn>
+                <a:cxn ang="0">
+                  <a:pos x="connsiteX6" y="connsiteY6"/>
+                </a:cxn>
+                <a:cxn ang="0">
+                  <a:pos x="connsiteX7" y="connsiteY7"/>
+                </a:cxn>
+                <a:cxn ang="0">
+                  <a:pos x="connsiteX8" y="connsiteY8"/>
+                </a:cxn>
+                <a:cxn ang="0">
+                  <a:pos x="connsiteX9" y="connsiteY9"/>
+                </a:cxn>
+                <a:cxn ang="0">
+                  <a:pos x="connsiteX10" y="connsiteY10"/>
+                </a:cxn>
+                <a:cxn ang="0">
+                  <a:pos x="connsiteX11" y="connsiteY11"/>
+                </a:cxn>
+                <a:cxn ang="0">
+                  <a:pos x="connsiteX12" y="connsiteY12"/>
+                </a:cxn>
+              </a:cxnLst>
+              <a:rect l="l" t="t" r="r" b="b"/>
+              <a:pathLst>
+                <a:path w="1587995" h="292361">
+                  <a:moveTo>
+                    <a:pt x="48729" y="0"/>
+                  </a:moveTo>
+                  <a:lnTo>
+                    <a:pt x="1539267" y="0"/>
+                  </a:lnTo>
+                  <a:cubicBezTo>
+                    <a:pt x="1566179" y="0"/>
+                    <a:pt x="1587995" y="21816"/>
+                    <a:pt x="1587995" y="48728"/>
+                  </a:cubicBezTo>
+                  <a:lnTo>
+                    <a:pt x="1587995" y="243633"/>
+                  </a:lnTo>
+                  <a:lnTo>
+                    <a:pt x="1587994" y="243636"/>
+                  </a:lnTo>
+                  <a:lnTo>
+                    <a:pt x="1587994" y="292361"/>
+                  </a:lnTo>
+                  <a:lnTo>
+                    <a:pt x="1539267" y="292361"/>
+                  </a:lnTo>
+                  <a:lnTo>
+                    <a:pt x="48729" y="292361"/>
+                  </a:lnTo>
+                  <a:lnTo>
+                    <a:pt x="0" y="292361"/>
+                  </a:lnTo>
+                  <a:lnTo>
+                    <a:pt x="0" y="152400"/>
+                  </a:lnTo>
+                  <a:lnTo>
+                    <a:pt x="1" y="152400"/>
+                  </a:lnTo>
+                  <a:lnTo>
+                    <a:pt x="1" y="48728"/>
+                  </a:lnTo>
+                  <a:cubicBezTo>
+                    <a:pt x="1" y="21816"/>
+                    <a:pt x="21817" y="0"/>
+                    <a:pt x="48729" y="0"/>
+                  </a:cubicBezTo>
+                  <a:close/>
+                </a:path>
+              </a:pathLst>
+            </a:custGeom>
+            <a:solidFill>
+              <a:srgbClr val="002060"/>
+            </a:solidFill>
+            <a:ln w="9525" algn="ctr">
+              <a:solidFill>
+                <a:srgbClr val="002060"/>
+              </a:solidFill>
+              <a:miter lim="800000"/>
+              <a:headEnd/>
+              <a:tailEnd/>
+            </a:ln>
+            <a:effectLst>
+              <a:outerShdw blurRad="50800" dist="38100" dir="2700000" algn="tl" rotWithShape="0">
+                <a:prstClr val="black">
+                  <a:alpha val="40000"/>
+                </a:prstClr>
+              </a:outerShdw>
+            </a:effectLst>
+          </p:spPr>
+          <p:txBody>
+            <a:bodyPr wrap="square" lIns="72000" tIns="36000" rIns="72000" bIns="36000" anchor="ctr">
+              <a:noAutofit/>
+            </a:bodyPr>
+            <a:lstStyle/>
+            <a:p>
+              <a:pPr marR="0" lvl="0" algn="ctr" defTabSz="411163" eaLnBrk="0" fontAlgn="base" latinLnBrk="0" hangingPunct="0">
+                <a:spcBef>
+                  <a:spcPct val="0"/>
+                </a:spcBef>
+                <a:spcAft>
+                  <a:spcPct val="0"/>
+                </a:spcAft>
+                <a:buSzPct val="90000"/>
+                <a:tabLst>
+                  <a:tab pos="85725" algn="l"/>
+                </a:tabLst>
+                <a:defRPr/>
+              </a:pPr>
+              <a:r>
+                <a:rPr kumimoji="1" lang="en-US" altLang="ko-KR" sz="1200" b="1" i="0" u="none" strike="noStrike" kern="0" cap="none" spc="0" normalizeH="0" baseline="0" noProof="0" dirty="0">
+                  <a:ln>
+                    <a:noFill/>
+                  </a:ln>
+                  <a:solidFill>
+                    <a:schemeClr val="bg1"/>
+                  </a:solidFill>
+                  <a:effectLst/>
+                  <a:uLnTx/>
+                  <a:uFillTx/>
+                  <a:latin typeface="나눔고딕" panose="020B0600000101010101" charset="-127"/>
+                  <a:ea typeface="나눔고딕" panose="020B0600000101010101" charset="-127"/>
+                </a:rPr>
+                <a:t>PARALLEL SCAN &amp; NL Join</a:t>
+              </a:r>
+            </a:p>
+          </p:txBody>
+        </p:sp>
+      </p:grpSp>
+    </p:spTree>
+    <p:extLst>
+      <p:ext uri="{BB962C8B-B14F-4D97-AF65-F5344CB8AC3E}">
+        <p14:creationId xmlns:p14="http://schemas.microsoft.com/office/powerpoint/2010/main" val="4118726403"/>
+      </p:ext>
+    </p:extLst>
+  </p:cSld>
+  <p:clrMapOvr>
+    <a:masterClrMapping/>
+  </p:clrMapOvr>
+</p:sld>
+</file>
+
+<file path=ppt/slides/slide27.xml><?xml version="1.0" encoding="utf-8"?>
+<p:sld xmlns:a="http://schemas.openxmlformats.org/drawingml/2006/main" xmlns:r="http://schemas.openxmlformats.org/officeDocument/2006/relationships" xmlns:p="http://schemas.openxmlformats.org/presentationml/2006/main">
+  <p:cSld>
+    <p:spTree>
+      <p:nvGrpSpPr>
+        <p:cNvPr id="1" name=""/>
+        <p:cNvGrpSpPr/>
+        <p:nvPr/>
+      </p:nvGrpSpPr>
+      <p:grpSpPr>
+        <a:xfrm>
+          <a:off x="0" y="0"/>
+          <a:ext cx="0" cy="0"/>
+          <a:chOff x="0" y="0"/>
+          <a:chExt cx="0" cy="0"/>
+        </a:xfrm>
+      </p:grpSpPr>
+      <p:sp>
+        <p:nvSpPr>
+          <p:cNvPr id="2" name="제목 1">
+            <a:extLst>
+              <a:ext uri="{FF2B5EF4-FFF2-40B4-BE49-F238E27FC236}">
+                <a16:creationId xmlns:a16="http://schemas.microsoft.com/office/drawing/2014/main" id="{F35C43C8-4428-4D97-87C2-6ACA5057AB6C}"/>
+              </a:ext>
+            </a:extLst>
+          </p:cNvPr>
+          <p:cNvSpPr>
+            <a:spLocks noGrp="1"/>
+          </p:cNvSpPr>
+          <p:nvPr>
+            <p:ph type="title"/>
+          </p:nvPr>
+        </p:nvSpPr>
+        <p:spPr/>
+        <p:txBody>
+          <a:bodyPr/>
+          <a:lstStyle/>
+          <a:p>
+            <a:r>
+              <a:rPr lang="en-US" altLang="ko-KR" dirty="0">
+                <a:latin typeface="나눔고딕" panose="020B0600000101010101" charset="-127"/>
+                <a:ea typeface="나눔고딕" panose="020B0600000101010101" charset="-127"/>
+              </a:rPr>
+              <a:t>11. PARALLEL</a:t>
+            </a:r>
+            <a:endParaRPr lang="ko-KR" altLang="en-US" dirty="0">
+              <a:latin typeface="나눔고딕" panose="020B0600000101010101" charset="-127"/>
+              <a:ea typeface="나눔고딕" panose="020B0600000101010101" charset="-127"/>
+            </a:endParaRPr>
+          </a:p>
+        </p:txBody>
+      </p:sp>
+      <p:sp>
+        <p:nvSpPr>
+          <p:cNvPr id="13" name="텍스트 개체 틀 3">
+            <a:extLst>
+              <a:ext uri="{FF2B5EF4-FFF2-40B4-BE49-F238E27FC236}">
+                <a16:creationId xmlns:a16="http://schemas.microsoft.com/office/drawing/2014/main" id="{E8389F0A-C9BF-436E-8823-6D4E3DDC4C2C}"/>
+              </a:ext>
+            </a:extLst>
+          </p:cNvPr>
+          <p:cNvSpPr>
+            <a:spLocks noGrp="1"/>
+          </p:cNvSpPr>
+          <p:nvPr>
+            <p:ph type="body" sz="quarter" idx="13"/>
+          </p:nvPr>
+        </p:nvSpPr>
+        <p:spPr>
+          <a:xfrm>
+            <a:off x="6747393" y="62621"/>
+            <a:ext cx="2822735" cy="390525"/>
+          </a:xfrm>
+        </p:spPr>
+        <p:txBody>
+          <a:bodyPr/>
+          <a:lstStyle/>
+          <a:p>
+            <a:r>
+              <a:rPr lang="en-US" altLang="ko-KR" dirty="0">
+                <a:latin typeface="나눔고딕" panose="020D0604000000000000" pitchFamily="50" charset="-127"/>
+                <a:ea typeface="나눔고딕" panose="020D0604000000000000" pitchFamily="50" charset="-127"/>
+              </a:rPr>
+              <a:t>Ⅰ. Hint </a:t>
+            </a:r>
+            <a:r>
+              <a:rPr lang="ko-KR" altLang="en-US" dirty="0">
+                <a:latin typeface="나눔고딕" panose="020D0604000000000000" pitchFamily="50" charset="-127"/>
+                <a:ea typeface="나눔고딕" panose="020D0604000000000000" pitchFamily="50" charset="-127"/>
+              </a:rPr>
+              <a:t>활용</a:t>
+            </a:r>
+          </a:p>
+        </p:txBody>
+      </p:sp>
+      <p:sp>
+        <p:nvSpPr>
+          <p:cNvPr id="10" name="슬라이드 번호 개체 틀 2">
+            <a:extLst>
+              <a:ext uri="{FF2B5EF4-FFF2-40B4-BE49-F238E27FC236}">
+                <a16:creationId xmlns:a16="http://schemas.microsoft.com/office/drawing/2014/main" id="{A617140A-F360-494C-B63C-116B507C3BE3}"/>
+              </a:ext>
+            </a:extLst>
+          </p:cNvPr>
+          <p:cNvSpPr>
+            <a:spLocks noGrp="1"/>
+          </p:cNvSpPr>
+          <p:nvPr>
+            <p:ph type="sldNum" sz="quarter" idx="12"/>
+          </p:nvPr>
+        </p:nvSpPr>
+        <p:spPr>
+          <a:xfrm>
+            <a:off x="4439346" y="6528442"/>
+            <a:ext cx="1029301" cy="276999"/>
+          </a:xfrm>
+        </p:spPr>
+        <p:txBody>
+          <a:bodyPr>
+            <a:normAutofit fontScale="92500"/>
+          </a:bodyPr>
+          <a:lstStyle/>
+          <a:p>
+            <a:fld id="{EBB166B3-33A6-45CA-B81B-F13BE7654232}" type="slidenum">
+              <a:rPr lang="ko-KR" altLang="en-US" smtClean="0">
+                <a:latin typeface="나눔고딕" panose="020B0600000101010101" charset="-127"/>
+                <a:ea typeface="나눔고딕" panose="020B0600000101010101" charset="-127"/>
+              </a:rPr>
+              <a:t>26</a:t>
+            </a:fld>
+            <a:endParaRPr lang="ko-KR" altLang="en-US" dirty="0">
+              <a:latin typeface="나눔고딕" panose="020B0600000101010101" charset="-127"/>
+              <a:ea typeface="나눔고딕" panose="020B0600000101010101" charset="-127"/>
+            </a:endParaRPr>
+          </a:p>
+        </p:txBody>
+      </p:sp>
+      <p:grpSp>
+        <p:nvGrpSpPr>
+          <p:cNvPr id="8" name="그룹 7">
+            <a:extLst>
+              <a:ext uri="{FF2B5EF4-FFF2-40B4-BE49-F238E27FC236}">
+                <a16:creationId xmlns:a16="http://schemas.microsoft.com/office/drawing/2014/main" id="{92DEF1E9-D6BA-4705-844F-C64FEA0AB606}"/>
+              </a:ext>
+            </a:extLst>
+          </p:cNvPr>
+          <p:cNvGrpSpPr/>
+          <p:nvPr/>
+        </p:nvGrpSpPr>
+        <p:grpSpPr>
+          <a:xfrm>
+            <a:off x="243186" y="693749"/>
+            <a:ext cx="6433661" cy="5470501"/>
+            <a:chOff x="251812" y="882617"/>
+            <a:chExt cx="6433661" cy="5470501"/>
+          </a:xfrm>
+        </p:grpSpPr>
+        <p:grpSp>
+          <p:nvGrpSpPr>
+            <p:cNvPr id="16" name="그룹 15">
+              <a:extLst>
+                <a:ext uri="{FF2B5EF4-FFF2-40B4-BE49-F238E27FC236}">
+                  <a16:creationId xmlns:a16="http://schemas.microsoft.com/office/drawing/2014/main" id="{A3FABC6D-A91F-42ED-8BCE-5591FDF9E2AF}"/>
+                </a:ext>
+              </a:extLst>
+            </p:cNvPr>
+            <p:cNvGrpSpPr/>
+            <p:nvPr/>
+          </p:nvGrpSpPr>
+          <p:grpSpPr>
+            <a:xfrm>
+              <a:off x="251812" y="882617"/>
+              <a:ext cx="6433661" cy="5470501"/>
+              <a:chOff x="260439" y="2196480"/>
+              <a:chExt cx="5396248" cy="3868789"/>
+            </a:xfrm>
+          </p:grpSpPr>
+          <p:sp>
+            <p:nvSpPr>
+              <p:cNvPr id="14" name="직사각형 13">
+                <a:extLst>
+                  <a:ext uri="{FF2B5EF4-FFF2-40B4-BE49-F238E27FC236}">
+                    <a16:creationId xmlns:a16="http://schemas.microsoft.com/office/drawing/2014/main" id="{8A521D9C-CE22-4712-B9C3-D62454C3895F}"/>
+                  </a:ext>
+                </a:extLst>
+              </p:cNvPr>
+              <p:cNvSpPr/>
+              <p:nvPr/>
+            </p:nvSpPr>
+            <p:spPr>
+              <a:xfrm>
+                <a:off x="260440" y="2493033"/>
+                <a:ext cx="5396247" cy="3572236"/>
+              </a:xfrm>
+              <a:prstGeom prst="rect">
+                <a:avLst/>
+              </a:prstGeom>
+              <a:noFill/>
+            </p:spPr>
+            <p:style>
+              <a:lnRef idx="2">
+                <a:schemeClr val="accent1">
+                  <a:shade val="50000"/>
+                </a:schemeClr>
+              </a:lnRef>
+              <a:fillRef idx="1">
+                <a:schemeClr val="accent1"/>
+              </a:fillRef>
+              <a:effectRef idx="0">
+                <a:schemeClr val="accent1"/>
+              </a:effectRef>
+              <a:fontRef idx="minor">
+                <a:schemeClr val="lt1"/>
+              </a:fontRef>
+            </p:style>
+            <p:txBody>
+              <a:bodyPr rtlCol="0" anchor="ctr"/>
+              <a:lstStyle/>
+              <a:p>
+                <a:pPr algn="ctr"/>
+                <a:endParaRPr lang="ko-KR" altLang="en-US" dirty="0">
+                  <a:latin typeface="나눔고딕" panose="020B0600000101010101" charset="-127"/>
+                  <a:ea typeface="나눔고딕" panose="020B0600000101010101" charset="-127"/>
+                </a:endParaRPr>
+              </a:p>
+            </p:txBody>
+          </p:sp>
+          <p:sp>
+            <p:nvSpPr>
+              <p:cNvPr id="15" name="자유형 23">
+                <a:extLst>
+                  <a:ext uri="{FF2B5EF4-FFF2-40B4-BE49-F238E27FC236}">
+                    <a16:creationId xmlns:a16="http://schemas.microsoft.com/office/drawing/2014/main" id="{00C1240E-E7F1-4168-AE7A-5FB7468AC009}"/>
+                  </a:ext>
+                </a:extLst>
+              </p:cNvPr>
+              <p:cNvSpPr>
+                <a:spLocks noChangeArrowheads="1"/>
+              </p:cNvSpPr>
+              <p:nvPr/>
+            </p:nvSpPr>
+            <p:spPr bwMode="gray">
+              <a:xfrm>
+                <a:off x="260439" y="2196480"/>
+                <a:ext cx="1946647" cy="288805"/>
+              </a:xfrm>
+              <a:custGeom>
+                <a:avLst/>
+                <a:gdLst>
+                  <a:gd name="connsiteX0" fmla="*/ 48729 w 1587995"/>
+                  <a:gd name="connsiteY0" fmla="*/ 0 h 292361"/>
+                  <a:gd name="connsiteX1" fmla="*/ 1539267 w 1587995"/>
+                  <a:gd name="connsiteY1" fmla="*/ 0 h 292361"/>
+                  <a:gd name="connsiteX2" fmla="*/ 1587995 w 1587995"/>
+                  <a:gd name="connsiteY2" fmla="*/ 48728 h 292361"/>
+                  <a:gd name="connsiteX3" fmla="*/ 1587995 w 1587995"/>
+                  <a:gd name="connsiteY3" fmla="*/ 243633 h 292361"/>
+                  <a:gd name="connsiteX4" fmla="*/ 1587994 w 1587995"/>
+                  <a:gd name="connsiteY4" fmla="*/ 243636 h 292361"/>
+                  <a:gd name="connsiteX5" fmla="*/ 1587994 w 1587995"/>
+                  <a:gd name="connsiteY5" fmla="*/ 292361 h 292361"/>
+                  <a:gd name="connsiteX6" fmla="*/ 1539267 w 1587995"/>
+                  <a:gd name="connsiteY6" fmla="*/ 292361 h 292361"/>
+                  <a:gd name="connsiteX7" fmla="*/ 48729 w 1587995"/>
+                  <a:gd name="connsiteY7" fmla="*/ 292361 h 292361"/>
+                  <a:gd name="connsiteX8" fmla="*/ 0 w 1587995"/>
+                  <a:gd name="connsiteY8" fmla="*/ 292361 h 292361"/>
+                  <a:gd name="connsiteX9" fmla="*/ 0 w 1587995"/>
+                  <a:gd name="connsiteY9" fmla="*/ 152400 h 292361"/>
+                  <a:gd name="connsiteX10" fmla="*/ 1 w 1587995"/>
+                  <a:gd name="connsiteY10" fmla="*/ 152400 h 292361"/>
+                  <a:gd name="connsiteX11" fmla="*/ 1 w 1587995"/>
+                  <a:gd name="connsiteY11" fmla="*/ 48728 h 292361"/>
+                  <a:gd name="connsiteX12" fmla="*/ 48729 w 1587995"/>
+                  <a:gd name="connsiteY12" fmla="*/ 0 h 292361"/>
+                </a:gdLst>
+                <a:ahLst/>
+                <a:cxnLst>
+                  <a:cxn ang="0">
+                    <a:pos x="connsiteX0" y="connsiteY0"/>
+                  </a:cxn>
+                  <a:cxn ang="0">
+                    <a:pos x="connsiteX1" y="connsiteY1"/>
+                  </a:cxn>
+                  <a:cxn ang="0">
+                    <a:pos x="connsiteX2" y="connsiteY2"/>
+                  </a:cxn>
+                  <a:cxn ang="0">
+                    <a:pos x="connsiteX3" y="connsiteY3"/>
+                  </a:cxn>
+                  <a:cxn ang="0">
+                    <a:pos x="connsiteX4" y="connsiteY4"/>
+                  </a:cxn>
+                  <a:cxn ang="0">
+                    <a:pos x="connsiteX5" y="connsiteY5"/>
+                  </a:cxn>
+                  <a:cxn ang="0">
+                    <a:pos x="connsiteX6" y="connsiteY6"/>
+                  </a:cxn>
+                  <a:cxn ang="0">
+                    <a:pos x="connsiteX7" y="connsiteY7"/>
+                  </a:cxn>
+                  <a:cxn ang="0">
+                    <a:pos x="connsiteX8" y="connsiteY8"/>
+                  </a:cxn>
+                  <a:cxn ang="0">
+                    <a:pos x="connsiteX9" y="connsiteY9"/>
+                  </a:cxn>
+                  <a:cxn ang="0">
+                    <a:pos x="connsiteX10" y="connsiteY10"/>
+                  </a:cxn>
+                  <a:cxn ang="0">
+                    <a:pos x="connsiteX11" y="connsiteY11"/>
+                  </a:cxn>
+                  <a:cxn ang="0">
+                    <a:pos x="connsiteX12" y="connsiteY12"/>
+                  </a:cxn>
+                </a:cxnLst>
+                <a:rect l="l" t="t" r="r" b="b"/>
+                <a:pathLst>
+                  <a:path w="1587995" h="292361">
+                    <a:moveTo>
+                      <a:pt x="48729" y="0"/>
+                    </a:moveTo>
+                    <a:lnTo>
+                      <a:pt x="1539267" y="0"/>
+                    </a:lnTo>
+                    <a:cubicBezTo>
+                      <a:pt x="1566179" y="0"/>
+                      <a:pt x="1587995" y="21816"/>
+                      <a:pt x="1587995" y="48728"/>
+                    </a:cubicBezTo>
+                    <a:lnTo>
+                      <a:pt x="1587995" y="243633"/>
+                    </a:lnTo>
+                    <a:lnTo>
+                      <a:pt x="1587994" y="243636"/>
+                    </a:lnTo>
+                    <a:lnTo>
+                      <a:pt x="1587994" y="292361"/>
+                    </a:lnTo>
+                    <a:lnTo>
+                      <a:pt x="1539267" y="292361"/>
+                    </a:lnTo>
+                    <a:lnTo>
+                      <a:pt x="48729" y="292361"/>
+                    </a:lnTo>
+                    <a:lnTo>
+                      <a:pt x="0" y="292361"/>
+                    </a:lnTo>
+                    <a:lnTo>
+                      <a:pt x="0" y="152400"/>
+                    </a:lnTo>
+                    <a:lnTo>
+                      <a:pt x="1" y="152400"/>
+                    </a:lnTo>
+                    <a:lnTo>
+                      <a:pt x="1" y="48728"/>
+                    </a:lnTo>
+                    <a:cubicBezTo>
+                      <a:pt x="1" y="21816"/>
+                      <a:pt x="21817" y="0"/>
+                      <a:pt x="48729" y="0"/>
+                    </a:cubicBezTo>
+                    <a:close/>
+                  </a:path>
+                </a:pathLst>
+              </a:custGeom>
+              <a:solidFill>
+                <a:srgbClr val="002060"/>
+              </a:solidFill>
+              <a:ln w="9525" algn="ctr">
+                <a:solidFill>
+                  <a:srgbClr val="002060"/>
+                </a:solidFill>
+                <a:miter lim="800000"/>
+                <a:headEnd/>
+                <a:tailEnd/>
+              </a:ln>
+              <a:effectLst>
+                <a:outerShdw blurRad="50800" dist="38100" dir="2700000" algn="tl" rotWithShape="0">
+                  <a:prstClr val="black">
+                    <a:alpha val="40000"/>
+                  </a:prstClr>
+                </a:outerShdw>
+              </a:effectLst>
+            </p:spPr>
+            <p:txBody>
+              <a:bodyPr wrap="square" lIns="72000" tIns="36000" rIns="72000" bIns="36000" anchor="ctr">
+                <a:noAutofit/>
+              </a:bodyPr>
+              <a:lstStyle/>
+              <a:p>
+                <a:pPr marR="0" lvl="0" algn="ctr" defTabSz="411163" eaLnBrk="0" fontAlgn="base" latinLnBrk="0" hangingPunct="0">
+                  <a:spcBef>
+                    <a:spcPct val="0"/>
+                  </a:spcBef>
+                  <a:spcAft>
+                    <a:spcPct val="0"/>
+                  </a:spcAft>
+                  <a:buSzPct val="90000"/>
+                  <a:tabLst>
+                    <a:tab pos="85725" algn="l"/>
+                  </a:tabLst>
+                  <a:defRPr/>
+                </a:pPr>
+                <a:r>
+                  <a:rPr kumimoji="1" lang="en-US" altLang="ko-KR" sz="1200" b="1" i="0" u="none" strike="noStrike" kern="0" cap="none" spc="0" normalizeH="0" baseline="0" noProof="0" dirty="0">
+                    <a:ln>
+                      <a:noFill/>
+                    </a:ln>
+                    <a:solidFill>
+                      <a:schemeClr val="bg1"/>
+                    </a:solidFill>
+                    <a:effectLst/>
+                    <a:uLnTx/>
+                    <a:uFillTx/>
+                    <a:latin typeface="나눔고딕" panose="020B0600000101010101" charset="-127"/>
+                    <a:ea typeface="나눔고딕" panose="020B0600000101010101" charset="-127"/>
+                  </a:rPr>
+                  <a:t>PARALLEL SCAN &amp; Hash Join</a:t>
+                </a:r>
+              </a:p>
+            </p:txBody>
+          </p:sp>
+        </p:grpSp>
+        <p:pic>
+          <p:nvPicPr>
+            <p:cNvPr id="4" name="그림 3">
+              <a:extLst>
+                <a:ext uri="{FF2B5EF4-FFF2-40B4-BE49-F238E27FC236}">
+                  <a16:creationId xmlns:a16="http://schemas.microsoft.com/office/drawing/2014/main" id="{E575C9BC-0E8C-4AE7-80AC-E69A63DAD54E}"/>
+                </a:ext>
+              </a:extLst>
+            </p:cNvPr>
+            <p:cNvPicPr>
+              <a:picLocks noChangeAspect="1"/>
+            </p:cNvPicPr>
+            <p:nvPr/>
+          </p:nvPicPr>
+          <p:blipFill>
+            <a:blip r:embed="rId2"/>
+            <a:stretch>
+              <a:fillRect/>
+            </a:stretch>
+          </p:blipFill>
+          <p:spPr>
+            <a:xfrm>
+              <a:off x="363984" y="1405579"/>
+              <a:ext cx="5610225" cy="1476375"/>
+            </a:xfrm>
+            <a:prstGeom prst="rect">
+              <a:avLst/>
+            </a:prstGeom>
+          </p:spPr>
+        </p:pic>
+        <p:pic>
+          <p:nvPicPr>
+            <p:cNvPr id="7" name="그림 6">
+              <a:extLst>
+                <a:ext uri="{FF2B5EF4-FFF2-40B4-BE49-F238E27FC236}">
+                  <a16:creationId xmlns:a16="http://schemas.microsoft.com/office/drawing/2014/main" id="{27AEA961-3901-459D-9E01-4884B0EAF495}"/>
+                </a:ext>
+              </a:extLst>
+            </p:cNvPr>
+            <p:cNvPicPr>
+              <a:picLocks noChangeAspect="1"/>
+            </p:cNvPicPr>
+            <p:nvPr/>
+          </p:nvPicPr>
+          <p:blipFill>
+            <a:blip r:embed="rId3"/>
+            <a:stretch>
+              <a:fillRect/>
+            </a:stretch>
+          </p:blipFill>
+          <p:spPr>
+            <a:xfrm>
+              <a:off x="363984" y="2958191"/>
+              <a:ext cx="6200719" cy="3250563"/>
+            </a:xfrm>
+            <a:prstGeom prst="rect">
+              <a:avLst/>
+            </a:prstGeom>
+          </p:spPr>
+        </p:pic>
+      </p:grpSp>
+    </p:spTree>
+    <p:extLst>
+      <p:ext uri="{BB962C8B-B14F-4D97-AF65-F5344CB8AC3E}">
+        <p14:creationId xmlns:p14="http://schemas.microsoft.com/office/powerpoint/2010/main" val="668550416"/>
+      </p:ext>
+    </p:extLst>
+  </p:cSld>
+  <p:clrMapOvr>
+    <a:masterClrMapping/>
+  </p:clrMapOvr>
+</p:sld>
+</file>
+
+<file path=ppt/slides/slide28.xml><?xml version="1.0" encoding="utf-8"?>
+<p:sld xmlns:a="http://schemas.openxmlformats.org/drawingml/2006/main" xmlns:r="http://schemas.openxmlformats.org/officeDocument/2006/relationships" xmlns:p="http://schemas.openxmlformats.org/presentationml/2006/main">
+  <p:cSld>
+    <p:spTree>
+      <p:nvGrpSpPr>
+        <p:cNvPr id="1" name=""/>
+        <p:cNvGrpSpPr/>
+        <p:nvPr/>
+      </p:nvGrpSpPr>
+      <p:grpSpPr>
+        <a:xfrm>
+          <a:off x="0" y="0"/>
+          <a:ext cx="0" cy="0"/>
+          <a:chOff x="0" y="0"/>
+          <a:chExt cx="0" cy="0"/>
+        </a:xfrm>
+      </p:grpSpPr>
+      <p:sp>
+        <p:nvSpPr>
+          <p:cNvPr id="2" name="제목 1">
+            <a:extLst>
+              <a:ext uri="{FF2B5EF4-FFF2-40B4-BE49-F238E27FC236}">
+                <a16:creationId xmlns:a16="http://schemas.microsoft.com/office/drawing/2014/main" id="{F35C43C8-4428-4D97-87C2-6ACA5057AB6C}"/>
+              </a:ext>
+            </a:extLst>
+          </p:cNvPr>
+          <p:cNvSpPr>
+            <a:spLocks noGrp="1"/>
+          </p:cNvSpPr>
+          <p:nvPr>
+            <p:ph type="title"/>
+          </p:nvPr>
+        </p:nvSpPr>
+        <p:spPr/>
+        <p:txBody>
+          <a:bodyPr/>
+          <a:lstStyle/>
+          <a:p>
+            <a:r>
+              <a:rPr lang="en-US" altLang="ko-KR" dirty="0">
+                <a:latin typeface="나눔고딕" panose="020B0600000101010101" charset="-127"/>
+                <a:ea typeface="나눔고딕" panose="020B0600000101010101" charset="-127"/>
+              </a:rPr>
+              <a:t>11. PARALLEL</a:t>
+            </a:r>
+            <a:endParaRPr lang="ko-KR" altLang="en-US" dirty="0">
+              <a:latin typeface="나눔고딕" panose="020B0600000101010101" charset="-127"/>
+              <a:ea typeface="나눔고딕" panose="020B0600000101010101" charset="-127"/>
+            </a:endParaRPr>
+          </a:p>
+        </p:txBody>
+      </p:sp>
+      <p:sp>
+        <p:nvSpPr>
+          <p:cNvPr id="13" name="텍스트 개체 틀 3">
+            <a:extLst>
+              <a:ext uri="{FF2B5EF4-FFF2-40B4-BE49-F238E27FC236}">
+                <a16:creationId xmlns:a16="http://schemas.microsoft.com/office/drawing/2014/main" id="{E8389F0A-C9BF-436E-8823-6D4E3DDC4C2C}"/>
+              </a:ext>
+            </a:extLst>
+          </p:cNvPr>
+          <p:cNvSpPr>
+            <a:spLocks noGrp="1"/>
+          </p:cNvSpPr>
+          <p:nvPr>
+            <p:ph type="body" sz="quarter" idx="13"/>
+          </p:nvPr>
+        </p:nvSpPr>
+        <p:spPr>
+          <a:xfrm>
+            <a:off x="6747393" y="62621"/>
+            <a:ext cx="2822735" cy="390525"/>
+          </a:xfrm>
+        </p:spPr>
+        <p:txBody>
+          <a:bodyPr/>
+          <a:lstStyle/>
+          <a:p>
+            <a:r>
+              <a:rPr lang="en-US" altLang="ko-KR" dirty="0">
+                <a:latin typeface="나눔고딕" panose="020D0604000000000000" pitchFamily="50" charset="-127"/>
+                <a:ea typeface="나눔고딕" panose="020D0604000000000000" pitchFamily="50" charset="-127"/>
+              </a:rPr>
+              <a:t>Ⅰ. Hint </a:t>
+            </a:r>
+            <a:r>
+              <a:rPr lang="ko-KR" altLang="en-US" dirty="0">
+                <a:latin typeface="나눔고딕" panose="020D0604000000000000" pitchFamily="50" charset="-127"/>
+                <a:ea typeface="나눔고딕" panose="020D0604000000000000" pitchFamily="50" charset="-127"/>
+              </a:rPr>
+              <a:t>활용</a:t>
+            </a:r>
+          </a:p>
+        </p:txBody>
+      </p:sp>
+      <p:sp>
+        <p:nvSpPr>
+          <p:cNvPr id="10" name="슬라이드 번호 개체 틀 2">
+            <a:extLst>
+              <a:ext uri="{FF2B5EF4-FFF2-40B4-BE49-F238E27FC236}">
+                <a16:creationId xmlns:a16="http://schemas.microsoft.com/office/drawing/2014/main" id="{A617140A-F360-494C-B63C-116B507C3BE3}"/>
+              </a:ext>
+            </a:extLst>
+          </p:cNvPr>
+          <p:cNvSpPr>
+            <a:spLocks noGrp="1"/>
+          </p:cNvSpPr>
+          <p:nvPr>
+            <p:ph type="sldNum" sz="quarter" idx="12"/>
+          </p:nvPr>
+        </p:nvSpPr>
+        <p:spPr>
+          <a:xfrm>
+            <a:off x="4439346" y="6528442"/>
+            <a:ext cx="1029301" cy="276999"/>
+          </a:xfrm>
+        </p:spPr>
+        <p:txBody>
+          <a:bodyPr>
+            <a:normAutofit fontScale="92500"/>
+          </a:bodyPr>
+          <a:lstStyle/>
+          <a:p>
+            <a:fld id="{EBB166B3-33A6-45CA-B81B-F13BE7654232}" type="slidenum">
+              <a:rPr lang="ko-KR" altLang="en-US" smtClean="0">
+                <a:latin typeface="나눔고딕" panose="020B0600000101010101" charset="-127"/>
+                <a:ea typeface="나눔고딕" panose="020B0600000101010101" charset="-127"/>
+              </a:rPr>
+              <a:t>27</a:t>
+            </a:fld>
+            <a:endParaRPr lang="ko-KR" altLang="en-US" dirty="0">
+              <a:latin typeface="나눔고딕" panose="020B0600000101010101" charset="-127"/>
+              <a:ea typeface="나눔고딕" panose="020B0600000101010101" charset="-127"/>
+            </a:endParaRPr>
+          </a:p>
+        </p:txBody>
+      </p:sp>
+      <p:grpSp>
+        <p:nvGrpSpPr>
+          <p:cNvPr id="11" name="그룹 10">
+            <a:extLst>
+              <a:ext uri="{FF2B5EF4-FFF2-40B4-BE49-F238E27FC236}">
+                <a16:creationId xmlns:a16="http://schemas.microsoft.com/office/drawing/2014/main" id="{18B72782-1972-4F6B-99AC-713D6966B53B}"/>
+              </a:ext>
+            </a:extLst>
+          </p:cNvPr>
+          <p:cNvGrpSpPr/>
+          <p:nvPr/>
+        </p:nvGrpSpPr>
+        <p:grpSpPr>
+          <a:xfrm>
+            <a:off x="214611" y="657225"/>
+            <a:ext cx="4043064" cy="5781675"/>
+            <a:chOff x="214611" y="657225"/>
+            <a:chExt cx="4043064" cy="5781675"/>
+          </a:xfrm>
+        </p:grpSpPr>
+        <p:grpSp>
+          <p:nvGrpSpPr>
+            <p:cNvPr id="6" name="그룹 5">
+              <a:extLst>
+                <a:ext uri="{FF2B5EF4-FFF2-40B4-BE49-F238E27FC236}">
+                  <a16:creationId xmlns:a16="http://schemas.microsoft.com/office/drawing/2014/main" id="{3900415A-6F70-4095-8238-0D6B71BB9420}"/>
+                </a:ext>
+              </a:extLst>
+            </p:cNvPr>
+            <p:cNvGrpSpPr/>
+            <p:nvPr/>
+          </p:nvGrpSpPr>
+          <p:grpSpPr>
+            <a:xfrm>
+              <a:off x="214612" y="978239"/>
+              <a:ext cx="4043063" cy="5460661"/>
+              <a:chOff x="157462" y="949664"/>
+              <a:chExt cx="4138137" cy="5489056"/>
+            </a:xfrm>
+          </p:grpSpPr>
+          <p:grpSp>
+            <p:nvGrpSpPr>
+              <p:cNvPr id="5" name="그룹 4">
+                <a:extLst>
+                  <a:ext uri="{FF2B5EF4-FFF2-40B4-BE49-F238E27FC236}">
+                    <a16:creationId xmlns:a16="http://schemas.microsoft.com/office/drawing/2014/main" id="{4B4A7D02-80DF-4471-90BD-1C0C415C9719}"/>
+                  </a:ext>
+                </a:extLst>
+              </p:cNvPr>
+              <p:cNvGrpSpPr/>
+              <p:nvPr/>
+            </p:nvGrpSpPr>
+            <p:grpSpPr>
+              <a:xfrm>
+                <a:off x="363984" y="995452"/>
+                <a:ext cx="3931615" cy="5443268"/>
+                <a:chOff x="3206615" y="776377"/>
+                <a:chExt cx="3931615" cy="5443268"/>
+              </a:xfrm>
+            </p:grpSpPr>
+            <p:pic>
+              <p:nvPicPr>
+                <p:cNvPr id="1026" name="Picture 2" descr="Parallel plan for hash join query | Download Scientific Diagram">
+                  <a:extLst>
+                    <a:ext uri="{FF2B5EF4-FFF2-40B4-BE49-F238E27FC236}">
+                      <a16:creationId xmlns:a16="http://schemas.microsoft.com/office/drawing/2014/main" id="{A7BEB955-6469-464E-A343-F61A94D6F500}"/>
+                    </a:ext>
+                  </a:extLst>
+                </p:cNvPr>
+                <p:cNvPicPr>
+                  <a:picLocks noChangeAspect="1" noChangeArrowheads="1"/>
+                </p:cNvPicPr>
+                <p:nvPr/>
+              </p:nvPicPr>
+              <p:blipFill rotWithShape="1">
+                <a:blip r:embed="rId2">
+                  <a:extLst>
+                    <a:ext uri="{28A0092B-C50C-407E-A947-70E740481C1C}">
+                      <a14:useLocalDpi xmlns:a14="http://schemas.microsoft.com/office/drawing/2010/main" val="0"/>
+                    </a:ext>
+                  </a:extLst>
+                </a:blip>
+                <a:srcRect l="-2" t="-2" r="-4203" b="-1421"/>
+                <a:stretch/>
+              </p:blipFill>
+              <p:spPr bwMode="auto">
+                <a:xfrm>
+                  <a:off x="3206615" y="776377"/>
+                  <a:ext cx="3931615" cy="5443268"/>
+                </a:xfrm>
+                <a:prstGeom prst="rect">
+                  <a:avLst/>
+                </a:prstGeom>
+                <a:noFill/>
+                <a:extLst>
+                  <a:ext uri="{909E8E84-426E-40DD-AFC4-6F175D3DCCD1}">
+                    <a14:hiddenFill xmlns:a14="http://schemas.microsoft.com/office/drawing/2010/main">
+                      <a:solidFill>
+                        <a:srgbClr val="FFFFFF"/>
+                      </a:solidFill>
+                    </a14:hiddenFill>
+                  </a:ext>
+                </a:extLst>
+              </p:spPr>
+            </p:pic>
+            <p:sp>
+              <p:nvSpPr>
+                <p:cNvPr id="3" name="직사각형 2">
+                  <a:extLst>
+                    <a:ext uri="{FF2B5EF4-FFF2-40B4-BE49-F238E27FC236}">
+                      <a16:creationId xmlns:a16="http://schemas.microsoft.com/office/drawing/2014/main" id="{53C7CC04-1E88-45BC-915F-C78B28118934}"/>
+                    </a:ext>
+                  </a:extLst>
+                </p:cNvPr>
+                <p:cNvSpPr/>
+                <p:nvPr/>
+              </p:nvSpPr>
+              <p:spPr>
+                <a:xfrm>
+                  <a:off x="4003359" y="5919787"/>
+                  <a:ext cx="895438" cy="161835"/>
+                </a:xfrm>
+                <a:prstGeom prst="rect">
+                  <a:avLst/>
+                </a:prstGeom>
+                <a:solidFill>
+                  <a:schemeClr val="bg1"/>
+                </a:solidFill>
+                <a:ln>
+                  <a:noFill/>
+                </a:ln>
+              </p:spPr>
+              <p:style>
+                <a:lnRef idx="2">
+                  <a:schemeClr val="accent1">
+                    <a:shade val="50000"/>
+                  </a:schemeClr>
+                </a:lnRef>
+                <a:fillRef idx="1">
+                  <a:schemeClr val="accent1"/>
+                </a:fillRef>
+                <a:effectRef idx="0">
+                  <a:schemeClr val="accent1"/>
+                </a:effectRef>
+                <a:fontRef idx="minor">
+                  <a:schemeClr val="lt1"/>
+                </a:fontRef>
+              </p:style>
+              <p:txBody>
+                <a:bodyPr rtlCol="0" anchor="ctr"/>
+                <a:lstStyle/>
+                <a:p>
+                  <a:pPr algn="ctr"/>
+                  <a:r>
+                    <a:rPr lang="en-US" altLang="ko-KR" sz="1000" dirty="0">
+                      <a:solidFill>
+                        <a:schemeClr val="tx1"/>
+                      </a:solidFill>
+                    </a:rPr>
+                    <a:t>COURSE</a:t>
+                  </a:r>
+                  <a:endParaRPr lang="ko-KR" altLang="en-US" sz="1000" dirty="0">
+                    <a:solidFill>
+                      <a:schemeClr val="tx1"/>
+                    </a:solidFill>
+                  </a:endParaRPr>
+                </a:p>
+              </p:txBody>
+            </p:sp>
+            <p:sp>
+              <p:nvSpPr>
+                <p:cNvPr id="17" name="직사각형 16">
+                  <a:extLst>
+                    <a:ext uri="{FF2B5EF4-FFF2-40B4-BE49-F238E27FC236}">
+                      <a16:creationId xmlns:a16="http://schemas.microsoft.com/office/drawing/2014/main" id="{6373B24C-86CB-4686-9637-00F0C7A8C25A}"/>
+                    </a:ext>
+                  </a:extLst>
+                </p:cNvPr>
+                <p:cNvSpPr/>
+                <p:nvPr/>
+              </p:nvSpPr>
+              <p:spPr>
+                <a:xfrm>
+                  <a:off x="5232582" y="5919786"/>
+                  <a:ext cx="895438" cy="161835"/>
+                </a:xfrm>
+                <a:prstGeom prst="rect">
+                  <a:avLst/>
+                </a:prstGeom>
+                <a:solidFill>
+                  <a:schemeClr val="bg1"/>
+                </a:solidFill>
+                <a:ln>
+                  <a:noFill/>
+                </a:ln>
+              </p:spPr>
+              <p:style>
+                <a:lnRef idx="2">
+                  <a:schemeClr val="accent1">
+                    <a:shade val="50000"/>
+                  </a:schemeClr>
+                </a:lnRef>
+                <a:fillRef idx="1">
+                  <a:schemeClr val="accent1"/>
+                </a:fillRef>
+                <a:effectRef idx="0">
+                  <a:schemeClr val="accent1"/>
+                </a:effectRef>
+                <a:fontRef idx="minor">
+                  <a:schemeClr val="lt1"/>
+                </a:fontRef>
+              </p:style>
+              <p:txBody>
+                <a:bodyPr rtlCol="0" anchor="ctr"/>
+                <a:lstStyle/>
+                <a:p>
+                  <a:pPr algn="ctr"/>
+                  <a:endParaRPr lang="ko-KR" altLang="en-US"/>
+                </a:p>
+              </p:txBody>
+            </p:sp>
+            <p:sp>
+              <p:nvSpPr>
+                <p:cNvPr id="18" name="직사각형 17">
+                  <a:extLst>
+                    <a:ext uri="{FF2B5EF4-FFF2-40B4-BE49-F238E27FC236}">
+                      <a16:creationId xmlns:a16="http://schemas.microsoft.com/office/drawing/2014/main" id="{48128F97-52D4-4A68-B0D4-DA1BB9B0561C}"/>
+                    </a:ext>
+                  </a:extLst>
+                </p:cNvPr>
+                <p:cNvSpPr/>
+                <p:nvPr/>
+              </p:nvSpPr>
+              <p:spPr>
+                <a:xfrm>
+                  <a:off x="5247822" y="5919787"/>
+                  <a:ext cx="895438" cy="161835"/>
+                </a:xfrm>
+                <a:prstGeom prst="rect">
+                  <a:avLst/>
+                </a:prstGeom>
+                <a:solidFill>
+                  <a:schemeClr val="bg1"/>
+                </a:solidFill>
+                <a:ln>
+                  <a:noFill/>
+                </a:ln>
+              </p:spPr>
+              <p:style>
+                <a:lnRef idx="2">
+                  <a:schemeClr val="accent1">
+                    <a:shade val="50000"/>
+                  </a:schemeClr>
+                </a:lnRef>
+                <a:fillRef idx="1">
+                  <a:schemeClr val="accent1"/>
+                </a:fillRef>
+                <a:effectRef idx="0">
+                  <a:schemeClr val="accent1"/>
+                </a:effectRef>
+                <a:fontRef idx="minor">
+                  <a:schemeClr val="lt1"/>
+                </a:fontRef>
+              </p:style>
+              <p:txBody>
+                <a:bodyPr rtlCol="0" anchor="ctr"/>
+                <a:lstStyle/>
+                <a:p>
+                  <a:pPr algn="ctr"/>
+                  <a:r>
+                    <a:rPr lang="en-US" altLang="ko-KR" sz="1000" dirty="0">
+                      <a:solidFill>
+                        <a:schemeClr val="tx1"/>
+                      </a:solidFill>
+                    </a:rPr>
+                    <a:t>PROFESSOR</a:t>
+                  </a:r>
+                  <a:endParaRPr lang="ko-KR" altLang="en-US" sz="1000" dirty="0">
+                    <a:solidFill>
+                      <a:schemeClr val="tx1"/>
+                    </a:solidFill>
+                  </a:endParaRPr>
+                </a:p>
+              </p:txBody>
+            </p:sp>
+          </p:grpSp>
+          <p:sp>
+            <p:nvSpPr>
+              <p:cNvPr id="19" name="직사각형 18">
+                <a:extLst>
+                  <a:ext uri="{FF2B5EF4-FFF2-40B4-BE49-F238E27FC236}">
+                    <a16:creationId xmlns:a16="http://schemas.microsoft.com/office/drawing/2014/main" id="{1B1F3DC3-7624-43EA-A124-EAC39855A4EB}"/>
+                  </a:ext>
+                </a:extLst>
+              </p:cNvPr>
+              <p:cNvSpPr/>
+              <p:nvPr/>
+            </p:nvSpPr>
+            <p:spPr>
+              <a:xfrm>
+                <a:off x="157462" y="949664"/>
+                <a:ext cx="4138137" cy="5443268"/>
+              </a:xfrm>
+              <a:prstGeom prst="rect">
+                <a:avLst/>
+              </a:prstGeom>
+              <a:noFill/>
+            </p:spPr>
+            <p:style>
+              <a:lnRef idx="2">
+                <a:schemeClr val="accent1">
+                  <a:shade val="50000"/>
+                </a:schemeClr>
+              </a:lnRef>
+              <a:fillRef idx="1">
+                <a:schemeClr val="accent1"/>
+              </a:fillRef>
+              <a:effectRef idx="0">
+                <a:schemeClr val="accent1"/>
+              </a:effectRef>
+              <a:fontRef idx="minor">
+                <a:schemeClr val="lt1"/>
+              </a:fontRef>
+            </p:style>
+            <p:txBody>
+              <a:bodyPr rtlCol="0" anchor="ctr"/>
+              <a:lstStyle/>
+              <a:p>
+                <a:pPr algn="ctr"/>
+                <a:endParaRPr lang="ko-KR" altLang="en-US" dirty="0">
+                  <a:latin typeface="나눔고딕" panose="020B0600000101010101" charset="-127"/>
+                  <a:ea typeface="나눔고딕" panose="020B0600000101010101" charset="-127"/>
+                </a:endParaRPr>
+              </a:p>
+            </p:txBody>
+          </p:sp>
+        </p:grpSp>
+        <p:sp>
+          <p:nvSpPr>
+            <p:cNvPr id="22" name="자유형 23">
+              <a:extLst>
+                <a:ext uri="{FF2B5EF4-FFF2-40B4-BE49-F238E27FC236}">
+                  <a16:creationId xmlns:a16="http://schemas.microsoft.com/office/drawing/2014/main" id="{1654CCBB-0887-4F54-B6E0-6BCF5C2CC7AD}"/>
+                </a:ext>
+              </a:extLst>
+            </p:cNvPr>
+            <p:cNvSpPr>
+              <a:spLocks noChangeArrowheads="1"/>
+            </p:cNvSpPr>
+            <p:nvPr/>
+          </p:nvSpPr>
+          <p:spPr bwMode="gray">
+            <a:xfrm>
+              <a:off x="214611" y="657225"/>
+              <a:ext cx="2671463" cy="327777"/>
+            </a:xfrm>
+            <a:custGeom>
+              <a:avLst/>
+              <a:gdLst>
+                <a:gd name="connsiteX0" fmla="*/ 48729 w 1587995"/>
+                <a:gd name="connsiteY0" fmla="*/ 0 h 292361"/>
+                <a:gd name="connsiteX1" fmla="*/ 1539267 w 1587995"/>
+                <a:gd name="connsiteY1" fmla="*/ 0 h 292361"/>
+                <a:gd name="connsiteX2" fmla="*/ 1587995 w 1587995"/>
+                <a:gd name="connsiteY2" fmla="*/ 48728 h 292361"/>
+                <a:gd name="connsiteX3" fmla="*/ 1587995 w 1587995"/>
+                <a:gd name="connsiteY3" fmla="*/ 243633 h 292361"/>
+                <a:gd name="connsiteX4" fmla="*/ 1587994 w 1587995"/>
+                <a:gd name="connsiteY4" fmla="*/ 243636 h 292361"/>
+                <a:gd name="connsiteX5" fmla="*/ 1587994 w 1587995"/>
+                <a:gd name="connsiteY5" fmla="*/ 292361 h 292361"/>
+                <a:gd name="connsiteX6" fmla="*/ 1539267 w 1587995"/>
+                <a:gd name="connsiteY6" fmla="*/ 292361 h 292361"/>
+                <a:gd name="connsiteX7" fmla="*/ 48729 w 1587995"/>
+                <a:gd name="connsiteY7" fmla="*/ 292361 h 292361"/>
+                <a:gd name="connsiteX8" fmla="*/ 0 w 1587995"/>
+                <a:gd name="connsiteY8" fmla="*/ 292361 h 292361"/>
+                <a:gd name="connsiteX9" fmla="*/ 0 w 1587995"/>
+                <a:gd name="connsiteY9" fmla="*/ 152400 h 292361"/>
+                <a:gd name="connsiteX10" fmla="*/ 1 w 1587995"/>
+                <a:gd name="connsiteY10" fmla="*/ 152400 h 292361"/>
+                <a:gd name="connsiteX11" fmla="*/ 1 w 1587995"/>
+                <a:gd name="connsiteY11" fmla="*/ 48728 h 292361"/>
+                <a:gd name="connsiteX12" fmla="*/ 48729 w 1587995"/>
+                <a:gd name="connsiteY12" fmla="*/ 0 h 292361"/>
+              </a:gdLst>
+              <a:ahLst/>
+              <a:cxnLst>
+                <a:cxn ang="0">
+                  <a:pos x="connsiteX0" y="connsiteY0"/>
+                </a:cxn>
+                <a:cxn ang="0">
+                  <a:pos x="connsiteX1" y="connsiteY1"/>
+                </a:cxn>
+                <a:cxn ang="0">
+                  <a:pos x="connsiteX2" y="connsiteY2"/>
+                </a:cxn>
+                <a:cxn ang="0">
+                  <a:pos x="connsiteX3" y="connsiteY3"/>
+                </a:cxn>
+                <a:cxn ang="0">
+                  <a:pos x="connsiteX4" y="connsiteY4"/>
+                </a:cxn>
+                <a:cxn ang="0">
+                  <a:pos x="connsiteX5" y="connsiteY5"/>
+                </a:cxn>
+                <a:cxn ang="0">
+                  <a:pos x="connsiteX6" y="connsiteY6"/>
+                </a:cxn>
+                <a:cxn ang="0">
+                  <a:pos x="connsiteX7" y="connsiteY7"/>
+                </a:cxn>
+                <a:cxn ang="0">
+                  <a:pos x="connsiteX8" y="connsiteY8"/>
+                </a:cxn>
+                <a:cxn ang="0">
+                  <a:pos x="connsiteX9" y="connsiteY9"/>
+                </a:cxn>
+                <a:cxn ang="0">
+                  <a:pos x="connsiteX10" y="connsiteY10"/>
+                </a:cxn>
+                <a:cxn ang="0">
+                  <a:pos x="connsiteX11" y="connsiteY11"/>
+                </a:cxn>
+                <a:cxn ang="0">
+                  <a:pos x="connsiteX12" y="connsiteY12"/>
+                </a:cxn>
+              </a:cxnLst>
+              <a:rect l="l" t="t" r="r" b="b"/>
+              <a:pathLst>
+                <a:path w="1587995" h="292361">
+                  <a:moveTo>
+                    <a:pt x="48729" y="0"/>
+                  </a:moveTo>
+                  <a:lnTo>
+                    <a:pt x="1539267" y="0"/>
+                  </a:lnTo>
+                  <a:cubicBezTo>
+                    <a:pt x="1566179" y="0"/>
+                    <a:pt x="1587995" y="21816"/>
+                    <a:pt x="1587995" y="48728"/>
+                  </a:cubicBezTo>
+                  <a:lnTo>
+                    <a:pt x="1587995" y="243633"/>
+                  </a:lnTo>
+                  <a:lnTo>
+                    <a:pt x="1587994" y="243636"/>
+                  </a:lnTo>
+                  <a:lnTo>
+                    <a:pt x="1587994" y="292361"/>
+                  </a:lnTo>
+                  <a:lnTo>
+                    <a:pt x="1539267" y="292361"/>
+                  </a:lnTo>
+                  <a:lnTo>
+                    <a:pt x="48729" y="292361"/>
+                  </a:lnTo>
+                  <a:lnTo>
+                    <a:pt x="0" y="292361"/>
+                  </a:lnTo>
+                  <a:lnTo>
+                    <a:pt x="0" y="152400"/>
+                  </a:lnTo>
+                  <a:lnTo>
+                    <a:pt x="1" y="152400"/>
+                  </a:lnTo>
+                  <a:lnTo>
+                    <a:pt x="1" y="48728"/>
+                  </a:lnTo>
+                  <a:cubicBezTo>
+                    <a:pt x="1" y="21816"/>
+                    <a:pt x="21817" y="0"/>
+                    <a:pt x="48729" y="0"/>
+                  </a:cubicBezTo>
+                  <a:close/>
+                </a:path>
+              </a:pathLst>
+            </a:custGeom>
+            <a:solidFill>
+              <a:srgbClr val="002060"/>
+            </a:solidFill>
+            <a:ln w="9525" algn="ctr">
+              <a:solidFill>
+                <a:srgbClr val="002060"/>
+              </a:solidFill>
+              <a:miter lim="800000"/>
+              <a:headEnd/>
+              <a:tailEnd/>
+            </a:ln>
+            <a:effectLst>
+              <a:outerShdw blurRad="50800" dist="38100" dir="2700000" algn="tl" rotWithShape="0">
+                <a:prstClr val="black">
+                  <a:alpha val="40000"/>
+                </a:prstClr>
+              </a:outerShdw>
+            </a:effectLst>
+          </p:spPr>
+          <p:txBody>
+            <a:bodyPr wrap="square" lIns="72000" tIns="36000" rIns="72000" bIns="36000" anchor="ctr">
+              <a:noAutofit/>
+            </a:bodyPr>
+            <a:lstStyle/>
+            <a:p>
+              <a:pPr marR="0" lvl="0" algn="ctr" defTabSz="411163" eaLnBrk="0" fontAlgn="base" latinLnBrk="0" hangingPunct="0">
+                <a:spcBef>
+                  <a:spcPct val="0"/>
+                </a:spcBef>
+                <a:spcAft>
+                  <a:spcPct val="0"/>
+                </a:spcAft>
+                <a:buSzPct val="90000"/>
+                <a:tabLst>
+                  <a:tab pos="85725" algn="l"/>
+                </a:tabLst>
+                <a:defRPr/>
+              </a:pPr>
+              <a:r>
+                <a:rPr kumimoji="1" lang="en-US" altLang="ko-KR" sz="1200" b="1" i="0" u="none" strike="noStrike" kern="0" cap="none" spc="0" normalizeH="0" baseline="0" noProof="0" dirty="0">
+                  <a:ln>
+                    <a:noFill/>
+                  </a:ln>
+                  <a:solidFill>
+                    <a:schemeClr val="bg1"/>
+                  </a:solidFill>
+                  <a:effectLst/>
+                  <a:uLnTx/>
+                  <a:uFillTx/>
+                  <a:latin typeface="나눔고딕" panose="020B0600000101010101" charset="-127"/>
+                  <a:ea typeface="나눔고딕" panose="020B0600000101010101" charset="-127"/>
+                </a:rPr>
+                <a:t>PARALLEL SCAN &amp; </a:t>
+              </a:r>
+              <a:r>
+                <a:rPr kumimoji="1" lang="en-US" altLang="ko-KR" sz="1200" b="1" i="0" u="none" strike="noStrike" kern="0" cap="none" spc="0" normalizeH="0" baseline="0" noProof="0">
+                  <a:ln>
+                    <a:noFill/>
+                  </a:ln>
+                  <a:solidFill>
+                    <a:schemeClr val="bg1"/>
+                  </a:solidFill>
+                  <a:effectLst/>
+                  <a:uLnTx/>
+                  <a:uFillTx/>
+                  <a:latin typeface="나눔고딕" panose="020B0600000101010101" charset="-127"/>
+                  <a:ea typeface="나눔고딕" panose="020B0600000101010101" charset="-127"/>
+                </a:rPr>
+                <a:t>Hash Join </a:t>
+              </a:r>
+              <a:r>
+                <a:rPr kumimoji="1" lang="ko-KR" altLang="en-US" sz="1200" b="1" i="0" u="none" strike="noStrike" kern="0" cap="none" spc="0" normalizeH="0" baseline="0" noProof="0" dirty="0">
+                  <a:ln>
+                    <a:noFill/>
+                  </a:ln>
+                  <a:solidFill>
+                    <a:schemeClr val="bg1"/>
+                  </a:solidFill>
+                  <a:effectLst/>
+                  <a:uLnTx/>
+                  <a:uFillTx/>
+                  <a:latin typeface="나눔고딕" panose="020B0600000101010101" charset="-127"/>
+                  <a:ea typeface="나눔고딕" panose="020B0600000101010101" charset="-127"/>
+                </a:rPr>
+                <a:t>도식화</a:t>
+              </a:r>
+              <a:endParaRPr kumimoji="1" lang="en-US" altLang="ko-KR" sz="1200" b="1" i="0" u="none" strike="noStrike" kern="0" cap="none" spc="0" normalizeH="0" baseline="0" noProof="0" dirty="0">
+                <a:ln>
+                  <a:noFill/>
+                </a:ln>
+                <a:solidFill>
+                  <a:schemeClr val="bg1"/>
+                </a:solidFill>
+                <a:effectLst/>
+                <a:uLnTx/>
+                <a:uFillTx/>
+                <a:latin typeface="나눔고딕" panose="020B0600000101010101" charset="-127"/>
+                <a:ea typeface="나눔고딕" panose="020B0600000101010101" charset="-127"/>
+              </a:endParaRPr>
+            </a:p>
+          </p:txBody>
+        </p:sp>
+      </p:grpSp>
+    </p:spTree>
+    <p:extLst>
+      <p:ext uri="{BB962C8B-B14F-4D97-AF65-F5344CB8AC3E}">
+        <p14:creationId xmlns:p14="http://schemas.microsoft.com/office/powerpoint/2010/main" val="2851709554"/>
       </p:ext>
     </p:extLst>
   </p:cSld>
@@ -13577,7 +16631,7 @@
           <p:nvPr>
             <p:extLst>
               <p:ext uri="{D42A27DB-BD31-4B8C-83A1-F6EECF244321}">
-                <p14:modId xmlns:p14="http://schemas.microsoft.com/office/powerpoint/2010/main" val="3747161684"/>
+                <p14:modId xmlns:p14="http://schemas.microsoft.com/office/powerpoint/2010/main" val="400080004"/>
               </p:ext>
             </p:extLst>
           </p:nvPr>
@@ -14281,7 +17335,7 @@
                       </a:pPr>
                       <a:r>
                         <a:rPr lang="ko-KR" altLang="en-US" sz="1300" dirty="0"/>
-                        <a:t>보통 </a:t>
+                        <a:t>일반적으로 </a:t>
                       </a:r>
                       <a:r>
                         <a:rPr lang="en-US" altLang="ko-KR" sz="1300" dirty="0"/>
@@ -14828,10 +17882,10 @@
         </p:nvGrpSpPr>
         <p:grpSpPr>
           <a:xfrm>
-            <a:off x="363984" y="797755"/>
-            <a:ext cx="5407642" cy="4101415"/>
-            <a:chOff x="363984" y="797755"/>
-            <a:chExt cx="5407642" cy="4101415"/>
+            <a:off x="372373" y="797755"/>
+            <a:ext cx="5399253" cy="4101415"/>
+            <a:chOff x="372373" y="797755"/>
+            <a:chExt cx="5399253" cy="4101415"/>
           </a:xfrm>
         </p:grpSpPr>
         <p:sp>
@@ -14900,7 +17954,7 @@
           </p:nvSpPr>
           <p:spPr bwMode="gray">
             <a:xfrm>
-              <a:off x="363984" y="797755"/>
+              <a:off x="372610" y="797755"/>
               <a:ext cx="2099434" cy="394939"/>
             </a:xfrm>
             <a:custGeom>
